--- a/HW1/演示文稿1.pptx
+++ b/HW1/演示文稿1.pptx
@@ -9,6 +9,8 @@
     <p:sldId id="257" r:id="rId4"/>
     <p:sldId id="258" r:id="rId5"/>
     <p:sldId id="259" r:id="rId6"/>
+    <p:sldId id="260" r:id="rId7"/>
+    <p:sldId id="262" r:id="rId8"/>
   </p:sldIdLst>
   <p:sldSz cx="12192000" cy="6858000"/>
   <p:notesSz cx="7103745" cy="10234295"/>
@@ -8253,6 +8255,5220 @@
 </p:sld>
 </file>
 
+<file path=ppt/slides/slide5.xml><?xml version="1.0" encoding="utf-8"?>
+<p:sld xmlns:a="http://schemas.openxmlformats.org/drawingml/2006/main" xmlns:r="http://schemas.openxmlformats.org/officeDocument/2006/relationships" xmlns:p="http://schemas.openxmlformats.org/presentationml/2006/main">
+  <p:cSld>
+    <p:spTree>
+      <p:nvGrpSpPr>
+        <p:cNvPr id="1" name=""/>
+        <p:cNvGrpSpPr/>
+        <p:nvPr/>
+      </p:nvGrpSpPr>
+      <p:grpSpPr/>
+      <p:grpSp>
+        <p:nvGrpSpPr>
+          <p:cNvPr id="82" name="组合 81"/>
+          <p:cNvGrpSpPr/>
+          <p:nvPr/>
+        </p:nvGrpSpPr>
+        <p:grpSpPr>
+          <a:xfrm>
+            <a:off x="66040" y="137160"/>
+            <a:ext cx="12059285" cy="4157345"/>
+            <a:chOff x="42" y="216"/>
+            <a:chExt cx="18991" cy="6547"/>
+          </a:xfrm>
+        </p:grpSpPr>
+        <p:sp>
+          <p:nvSpPr>
+            <p:cNvPr id="4" name="椭圆 3"/>
+            <p:cNvSpPr/>
+            <p:nvPr/>
+          </p:nvSpPr>
+          <p:spPr>
+            <a:xfrm>
+              <a:off x="8698" y="216"/>
+              <a:ext cx="658" cy="658"/>
+            </a:xfrm>
+            <a:prstGeom prst="ellipse">
+              <a:avLst/>
+            </a:prstGeom>
+            <a:solidFill>
+              <a:schemeClr val="accent1">
+                <a:lumMod val="20000"/>
+                <a:lumOff val="80000"/>
+              </a:schemeClr>
+            </a:solidFill>
+          </p:spPr>
+          <p:style>
+            <a:lnRef idx="2">
+              <a:schemeClr val="accent1">
+                <a:shade val="50000"/>
+              </a:schemeClr>
+            </a:lnRef>
+            <a:fillRef idx="1">
+              <a:schemeClr val="accent1"/>
+            </a:fillRef>
+            <a:effectRef idx="0">
+              <a:schemeClr val="accent1"/>
+            </a:effectRef>
+            <a:fontRef idx="minor">
+              <a:schemeClr val="lt1"/>
+            </a:fontRef>
+          </p:style>
+          <p:txBody>
+            <a:bodyPr rtlCol="0" anchor="ctr"/>
+            <a:p>
+              <a:pPr algn="ctr"/>
+              <a:r>
+                <a:rPr lang="en-US" altLang="zh-CN" sz="2600" b="1">
+                  <a:solidFill>
+                    <a:schemeClr val="tx1"/>
+                  </a:solidFill>
+                  <a:effectLst>
+                    <a:outerShdw blurRad="38100" dist="38100" dir="2700000" algn="tl">
+                      <a:srgbClr val="000000">
+                        <a:alpha val="43137"/>
+                      </a:srgbClr>
+                    </a:outerShdw>
+                  </a:effectLst>
+                </a:rPr>
+                <a:t>S</a:t>
+              </a:r>
+              <a:endParaRPr lang="en-US" altLang="zh-CN" sz="2600" b="1">
+                <a:solidFill>
+                  <a:schemeClr val="tx1"/>
+                </a:solidFill>
+                <a:effectLst>
+                  <a:outerShdw blurRad="38100" dist="38100" dir="2700000" algn="tl">
+                    <a:srgbClr val="000000">
+                      <a:alpha val="43137"/>
+                    </a:srgbClr>
+                  </a:outerShdw>
+                </a:effectLst>
+              </a:endParaRPr>
+            </a:p>
+          </p:txBody>
+        </p:sp>
+        <p:sp>
+          <p:nvSpPr>
+            <p:cNvPr id="5" name="椭圆 4"/>
+            <p:cNvSpPr/>
+            <p:nvPr/>
+          </p:nvSpPr>
+          <p:spPr>
+            <a:xfrm>
+              <a:off x="5551" y="1076"/>
+              <a:ext cx="658" cy="658"/>
+            </a:xfrm>
+            <a:prstGeom prst="ellipse">
+              <a:avLst/>
+            </a:prstGeom>
+            <a:solidFill>
+              <a:schemeClr val="accent1">
+                <a:lumMod val="20000"/>
+                <a:lumOff val="80000"/>
+              </a:schemeClr>
+            </a:solidFill>
+          </p:spPr>
+          <p:style>
+            <a:lnRef idx="2">
+              <a:schemeClr val="accent1">
+                <a:shade val="50000"/>
+              </a:schemeClr>
+            </a:lnRef>
+            <a:fillRef idx="1">
+              <a:schemeClr val="accent1"/>
+            </a:fillRef>
+            <a:effectRef idx="0">
+              <a:schemeClr val="accent1"/>
+            </a:effectRef>
+            <a:fontRef idx="minor">
+              <a:schemeClr val="lt1"/>
+            </a:fontRef>
+          </p:style>
+          <p:txBody>
+            <a:bodyPr rtlCol="0" anchor="ctr"/>
+            <a:p>
+              <a:pPr algn="ctr"/>
+              <a:r>
+                <a:rPr lang="en-US" altLang="zh-CN" sz="2600" b="1">
+                  <a:solidFill>
+                    <a:schemeClr val="tx1"/>
+                  </a:solidFill>
+                  <a:effectLst>
+                    <a:outerShdw blurRad="38100" dist="38100" dir="2700000" algn="tl">
+                      <a:srgbClr val="000000">
+                        <a:alpha val="43137"/>
+                      </a:srgbClr>
+                    </a:outerShdw>
+                  </a:effectLst>
+                </a:rPr>
+                <a:t>A</a:t>
+              </a:r>
+              <a:endParaRPr lang="en-US" altLang="zh-CN" sz="2600" b="1">
+                <a:solidFill>
+                  <a:schemeClr val="tx1"/>
+                </a:solidFill>
+                <a:effectLst>
+                  <a:outerShdw blurRad="38100" dist="38100" dir="2700000" algn="tl">
+                    <a:srgbClr val="000000">
+                      <a:alpha val="43137"/>
+                    </a:srgbClr>
+                  </a:outerShdw>
+                </a:effectLst>
+              </a:endParaRPr>
+            </a:p>
+          </p:txBody>
+        </p:sp>
+        <p:sp>
+          <p:nvSpPr>
+            <p:cNvPr id="6" name="椭圆 5"/>
+            <p:cNvSpPr/>
+            <p:nvPr/>
+          </p:nvSpPr>
+          <p:spPr>
+            <a:xfrm>
+              <a:off x="7397" y="3828"/>
+              <a:ext cx="658" cy="658"/>
+            </a:xfrm>
+            <a:prstGeom prst="ellipse">
+              <a:avLst/>
+            </a:prstGeom>
+            <a:solidFill>
+              <a:schemeClr val="accent1">
+                <a:lumMod val="20000"/>
+                <a:lumOff val="80000"/>
+              </a:schemeClr>
+            </a:solidFill>
+          </p:spPr>
+          <p:style>
+            <a:lnRef idx="2">
+              <a:schemeClr val="accent1">
+                <a:shade val="50000"/>
+              </a:schemeClr>
+            </a:lnRef>
+            <a:fillRef idx="1">
+              <a:schemeClr val="accent1"/>
+            </a:fillRef>
+            <a:effectRef idx="0">
+              <a:schemeClr val="accent1"/>
+            </a:effectRef>
+            <a:fontRef idx="minor">
+              <a:schemeClr val="lt1"/>
+            </a:fontRef>
+          </p:style>
+          <p:txBody>
+            <a:bodyPr rtlCol="0" anchor="ctr"/>
+            <a:p>
+              <a:pPr algn="ctr"/>
+              <a:r>
+                <a:rPr lang="en-US" altLang="zh-CN" sz="2600" b="1">
+                  <a:solidFill>
+                    <a:schemeClr val="tx1"/>
+                  </a:solidFill>
+                  <a:effectLst>
+                    <a:outerShdw blurRad="38100" dist="38100" dir="2700000" algn="tl">
+                      <a:srgbClr val="000000">
+                        <a:alpha val="43137"/>
+                      </a:srgbClr>
+                    </a:outerShdw>
+                  </a:effectLst>
+                </a:rPr>
+                <a:t>E</a:t>
+              </a:r>
+              <a:endParaRPr lang="en-US" altLang="zh-CN" sz="2600" b="1">
+                <a:solidFill>
+                  <a:schemeClr val="tx1"/>
+                </a:solidFill>
+                <a:effectLst>
+                  <a:outerShdw blurRad="38100" dist="38100" dir="2700000" algn="tl">
+                    <a:srgbClr val="000000">
+                      <a:alpha val="43137"/>
+                    </a:srgbClr>
+                  </a:outerShdw>
+                </a:effectLst>
+              </a:endParaRPr>
+            </a:p>
+          </p:txBody>
+        </p:sp>
+        <p:sp>
+          <p:nvSpPr>
+            <p:cNvPr id="7" name="椭圆 6"/>
+            <p:cNvSpPr/>
+            <p:nvPr/>
+          </p:nvSpPr>
+          <p:spPr>
+            <a:xfrm>
+              <a:off x="371" y="3828"/>
+              <a:ext cx="658" cy="658"/>
+            </a:xfrm>
+            <a:prstGeom prst="ellipse">
+              <a:avLst/>
+            </a:prstGeom>
+            <a:solidFill>
+              <a:schemeClr val="accent1">
+                <a:lumMod val="20000"/>
+                <a:lumOff val="80000"/>
+              </a:schemeClr>
+            </a:solidFill>
+          </p:spPr>
+          <p:style>
+            <a:lnRef idx="2">
+              <a:schemeClr val="accent1">
+                <a:shade val="50000"/>
+              </a:schemeClr>
+            </a:lnRef>
+            <a:fillRef idx="1">
+              <a:schemeClr val="accent1"/>
+            </a:fillRef>
+            <a:effectRef idx="0">
+              <a:schemeClr val="accent1"/>
+            </a:effectRef>
+            <a:fontRef idx="minor">
+              <a:schemeClr val="lt1"/>
+            </a:fontRef>
+          </p:style>
+          <p:txBody>
+            <a:bodyPr rtlCol="0" anchor="ctr"/>
+            <a:p>
+              <a:pPr algn="ctr"/>
+              <a:r>
+                <a:rPr lang="en-US" altLang="zh-CN" sz="2600" b="1">
+                  <a:solidFill>
+                    <a:schemeClr val="tx1"/>
+                  </a:solidFill>
+                  <a:effectLst>
+                    <a:outerShdw blurRad="38100" dist="38100" dir="2700000" algn="tl">
+                      <a:srgbClr val="000000">
+                        <a:alpha val="43137"/>
+                      </a:srgbClr>
+                    </a:outerShdw>
+                  </a:effectLst>
+                </a:rPr>
+                <a:t>A</a:t>
+              </a:r>
+              <a:endParaRPr lang="en-US" altLang="zh-CN" sz="2600" b="1">
+                <a:solidFill>
+                  <a:schemeClr val="tx1"/>
+                </a:solidFill>
+                <a:effectLst>
+                  <a:outerShdw blurRad="38100" dist="38100" dir="2700000" algn="tl">
+                    <a:srgbClr val="000000">
+                      <a:alpha val="43137"/>
+                    </a:srgbClr>
+                  </a:outerShdw>
+                </a:effectLst>
+              </a:endParaRPr>
+            </a:p>
+          </p:txBody>
+        </p:sp>
+        <p:sp>
+          <p:nvSpPr>
+            <p:cNvPr id="9" name="椭圆 8"/>
+            <p:cNvSpPr/>
+            <p:nvPr/>
+          </p:nvSpPr>
+          <p:spPr>
+            <a:xfrm>
+              <a:off x="9166" y="3828"/>
+              <a:ext cx="658" cy="658"/>
+            </a:xfrm>
+            <a:prstGeom prst="ellipse">
+              <a:avLst/>
+            </a:prstGeom>
+            <a:solidFill>
+              <a:schemeClr val="accent1">
+                <a:lumMod val="20000"/>
+                <a:lumOff val="80000"/>
+              </a:schemeClr>
+            </a:solidFill>
+          </p:spPr>
+          <p:style>
+            <a:lnRef idx="2">
+              <a:schemeClr val="accent1">
+                <a:shade val="50000"/>
+              </a:schemeClr>
+            </a:lnRef>
+            <a:fillRef idx="1">
+              <a:schemeClr val="accent1"/>
+            </a:fillRef>
+            <a:effectRef idx="0">
+              <a:schemeClr val="accent1"/>
+            </a:effectRef>
+            <a:fontRef idx="minor">
+              <a:schemeClr val="lt1"/>
+            </a:fontRef>
+          </p:style>
+          <p:txBody>
+            <a:bodyPr rtlCol="0" anchor="ctr"/>
+            <a:p>
+              <a:pPr algn="ctr"/>
+              <a:r>
+                <a:rPr lang="en-US" altLang="zh-CN" sz="2600" b="1">
+                  <a:solidFill>
+                    <a:schemeClr val="tx1"/>
+                  </a:solidFill>
+                  <a:effectLst>
+                    <a:outerShdw blurRad="38100" dist="38100" dir="2700000" algn="tl">
+                      <a:srgbClr val="000000">
+                        <a:alpha val="43137"/>
+                      </a:srgbClr>
+                    </a:outerShdw>
+                  </a:effectLst>
+                </a:rPr>
+                <a:t>A</a:t>
+              </a:r>
+              <a:endParaRPr lang="en-US" altLang="zh-CN" sz="2600" b="1">
+                <a:solidFill>
+                  <a:schemeClr val="tx1"/>
+                </a:solidFill>
+                <a:effectLst>
+                  <a:outerShdw blurRad="38100" dist="38100" dir="2700000" algn="tl">
+                    <a:srgbClr val="000000">
+                      <a:alpha val="43137"/>
+                    </a:srgbClr>
+                  </a:outerShdw>
+                </a:effectLst>
+              </a:endParaRPr>
+            </a:p>
+          </p:txBody>
+        </p:sp>
+        <p:sp>
+          <p:nvSpPr>
+            <p:cNvPr id="10" name="椭圆 9"/>
+            <p:cNvSpPr/>
+            <p:nvPr/>
+          </p:nvSpPr>
+          <p:spPr>
+            <a:xfrm>
+              <a:off x="15187" y="1076"/>
+              <a:ext cx="658" cy="658"/>
+            </a:xfrm>
+            <a:prstGeom prst="ellipse">
+              <a:avLst/>
+            </a:prstGeom>
+            <a:solidFill>
+              <a:schemeClr val="accent1">
+                <a:lumMod val="20000"/>
+                <a:lumOff val="80000"/>
+              </a:schemeClr>
+            </a:solidFill>
+          </p:spPr>
+          <p:style>
+            <a:lnRef idx="2">
+              <a:schemeClr val="accent1">
+                <a:shade val="50000"/>
+              </a:schemeClr>
+            </a:lnRef>
+            <a:fillRef idx="1">
+              <a:schemeClr val="accent1"/>
+            </a:fillRef>
+            <a:effectRef idx="0">
+              <a:schemeClr val="accent1"/>
+            </a:effectRef>
+            <a:fontRef idx="minor">
+              <a:schemeClr val="lt1"/>
+            </a:fontRef>
+          </p:style>
+          <p:txBody>
+            <a:bodyPr rtlCol="0" anchor="ctr"/>
+            <a:p>
+              <a:pPr algn="ctr"/>
+              <a:r>
+                <a:rPr lang="en-US" altLang="zh-CN" sz="2600" b="1">
+                  <a:solidFill>
+                    <a:schemeClr val="tx1"/>
+                  </a:solidFill>
+                  <a:effectLst>
+                    <a:outerShdw blurRad="38100" dist="38100" dir="2700000" algn="tl">
+                      <a:srgbClr val="000000">
+                        <a:alpha val="43137"/>
+                      </a:srgbClr>
+                    </a:outerShdw>
+                  </a:effectLst>
+                </a:rPr>
+                <a:t>D</a:t>
+              </a:r>
+              <a:endParaRPr lang="en-US" altLang="zh-CN" sz="2600" b="1">
+                <a:solidFill>
+                  <a:schemeClr val="tx1"/>
+                </a:solidFill>
+                <a:effectLst>
+                  <a:outerShdw blurRad="38100" dist="38100" dir="2700000" algn="tl">
+                    <a:srgbClr val="000000">
+                      <a:alpha val="43137"/>
+                    </a:srgbClr>
+                  </a:outerShdw>
+                </a:effectLst>
+              </a:endParaRPr>
+            </a:p>
+          </p:txBody>
+        </p:sp>
+        <p:sp>
+          <p:nvSpPr>
+            <p:cNvPr id="11" name="椭圆 10"/>
+            <p:cNvSpPr/>
+            <p:nvPr/>
+          </p:nvSpPr>
+          <p:spPr>
+            <a:xfrm>
+              <a:off x="12324" y="2400"/>
+              <a:ext cx="658" cy="658"/>
+            </a:xfrm>
+            <a:prstGeom prst="ellipse">
+              <a:avLst/>
+            </a:prstGeom>
+            <a:solidFill>
+              <a:schemeClr val="accent1">
+                <a:lumMod val="20000"/>
+                <a:lumOff val="80000"/>
+              </a:schemeClr>
+            </a:solidFill>
+          </p:spPr>
+          <p:style>
+            <a:lnRef idx="2">
+              <a:schemeClr val="accent1">
+                <a:shade val="50000"/>
+              </a:schemeClr>
+            </a:lnRef>
+            <a:fillRef idx="1">
+              <a:schemeClr val="accent1"/>
+            </a:fillRef>
+            <a:effectRef idx="0">
+              <a:schemeClr val="accent1"/>
+            </a:effectRef>
+            <a:fontRef idx="minor">
+              <a:schemeClr val="lt1"/>
+            </a:fontRef>
+          </p:style>
+          <p:txBody>
+            <a:bodyPr rtlCol="0" anchor="ctr"/>
+            <a:p>
+              <a:pPr algn="ctr"/>
+              <a:r>
+                <a:rPr lang="en-US" altLang="zh-CN" sz="2600" b="1">
+                  <a:solidFill>
+                    <a:schemeClr val="tx1"/>
+                  </a:solidFill>
+                  <a:effectLst>
+                    <a:outerShdw blurRad="38100" dist="38100" dir="2700000" algn="tl">
+                      <a:srgbClr val="000000">
+                        <a:alpha val="43137"/>
+                      </a:srgbClr>
+                    </a:outerShdw>
+                  </a:effectLst>
+                </a:rPr>
+                <a:t>E</a:t>
+              </a:r>
+              <a:endParaRPr lang="en-US" altLang="zh-CN" sz="2600" b="1">
+                <a:solidFill>
+                  <a:schemeClr val="tx1"/>
+                </a:solidFill>
+                <a:effectLst>
+                  <a:outerShdw blurRad="38100" dist="38100" dir="2700000" algn="tl">
+                    <a:srgbClr val="000000">
+                      <a:alpha val="43137"/>
+                    </a:srgbClr>
+                  </a:outerShdw>
+                </a:effectLst>
+              </a:endParaRPr>
+            </a:p>
+          </p:txBody>
+        </p:sp>
+        <p:sp>
+          <p:nvSpPr>
+            <p:cNvPr id="12" name="椭圆 11"/>
+            <p:cNvSpPr/>
+            <p:nvPr/>
+          </p:nvSpPr>
+          <p:spPr>
+            <a:xfrm>
+              <a:off x="8211" y="2400"/>
+              <a:ext cx="658" cy="658"/>
+            </a:xfrm>
+            <a:prstGeom prst="ellipse">
+              <a:avLst/>
+            </a:prstGeom>
+            <a:solidFill>
+              <a:schemeClr val="accent1">
+                <a:lumMod val="20000"/>
+                <a:lumOff val="80000"/>
+              </a:schemeClr>
+            </a:solidFill>
+          </p:spPr>
+          <p:style>
+            <a:lnRef idx="2">
+              <a:schemeClr val="accent1">
+                <a:shade val="50000"/>
+              </a:schemeClr>
+            </a:lnRef>
+            <a:fillRef idx="1">
+              <a:schemeClr val="accent1"/>
+            </a:fillRef>
+            <a:effectRef idx="0">
+              <a:schemeClr val="accent1"/>
+            </a:effectRef>
+            <a:fontRef idx="minor">
+              <a:schemeClr val="lt1"/>
+            </a:fontRef>
+          </p:style>
+          <p:txBody>
+            <a:bodyPr rtlCol="0" anchor="ctr"/>
+            <a:p>
+              <a:pPr algn="ctr"/>
+              <a:r>
+                <a:rPr lang="en-US" altLang="zh-CN" sz="2600" b="1">
+                  <a:solidFill>
+                    <a:schemeClr val="tx1"/>
+                  </a:solidFill>
+                  <a:effectLst>
+                    <a:outerShdw blurRad="38100" dist="38100" dir="2700000" algn="tl">
+                      <a:srgbClr val="000000">
+                        <a:alpha val="43137"/>
+                      </a:srgbClr>
+                    </a:outerShdw>
+                  </a:effectLst>
+                </a:rPr>
+                <a:t>D</a:t>
+              </a:r>
+              <a:endParaRPr lang="en-US" altLang="zh-CN" sz="2600" b="1">
+                <a:solidFill>
+                  <a:schemeClr val="tx1"/>
+                </a:solidFill>
+                <a:effectLst>
+                  <a:outerShdw blurRad="38100" dist="38100" dir="2700000" algn="tl">
+                    <a:srgbClr val="000000">
+                      <a:alpha val="43137"/>
+                    </a:srgbClr>
+                  </a:outerShdw>
+                </a:effectLst>
+              </a:endParaRPr>
+            </a:p>
+          </p:txBody>
+        </p:sp>
+        <p:sp>
+          <p:nvSpPr>
+            <p:cNvPr id="13" name="椭圆 12"/>
+            <p:cNvSpPr/>
+            <p:nvPr/>
+          </p:nvSpPr>
+          <p:spPr>
+            <a:xfrm>
+              <a:off x="18046" y="2400"/>
+              <a:ext cx="658" cy="658"/>
+            </a:xfrm>
+            <a:prstGeom prst="ellipse">
+              <a:avLst/>
+            </a:prstGeom>
+            <a:solidFill>
+              <a:schemeClr val="accent1">
+                <a:lumMod val="20000"/>
+                <a:lumOff val="80000"/>
+              </a:schemeClr>
+            </a:solidFill>
+          </p:spPr>
+          <p:style>
+            <a:lnRef idx="2">
+              <a:schemeClr val="accent1">
+                <a:shade val="50000"/>
+              </a:schemeClr>
+            </a:lnRef>
+            <a:fillRef idx="1">
+              <a:schemeClr val="accent1"/>
+            </a:fillRef>
+            <a:effectRef idx="0">
+              <a:schemeClr val="accent1"/>
+            </a:effectRef>
+            <a:fontRef idx="minor">
+              <a:schemeClr val="lt1"/>
+            </a:fontRef>
+          </p:style>
+          <p:txBody>
+            <a:bodyPr rtlCol="0" anchor="ctr"/>
+            <a:p>
+              <a:pPr algn="ctr"/>
+              <a:r>
+                <a:rPr lang="en-US" altLang="zh-CN" sz="2600" b="1">
+                  <a:solidFill>
+                    <a:schemeClr val="tx1"/>
+                  </a:solidFill>
+                  <a:effectLst>
+                    <a:outerShdw blurRad="38100" dist="38100" dir="2700000" algn="tl">
+                      <a:srgbClr val="000000">
+                        <a:alpha val="43137"/>
+                      </a:srgbClr>
+                    </a:outerShdw>
+                  </a:effectLst>
+                </a:rPr>
+                <a:t>A</a:t>
+              </a:r>
+              <a:endParaRPr lang="en-US" altLang="zh-CN" sz="2600" b="1">
+                <a:solidFill>
+                  <a:schemeClr val="tx1"/>
+                </a:solidFill>
+                <a:effectLst>
+                  <a:outerShdw blurRad="38100" dist="38100" dir="2700000" algn="tl">
+                    <a:srgbClr val="000000">
+                      <a:alpha val="43137"/>
+                    </a:srgbClr>
+                  </a:outerShdw>
+                </a:effectLst>
+              </a:endParaRPr>
+            </a:p>
+          </p:txBody>
+        </p:sp>
+        <p:sp>
+          <p:nvSpPr>
+            <p:cNvPr id="14" name="椭圆 13"/>
+            <p:cNvSpPr/>
+            <p:nvPr/>
+          </p:nvSpPr>
+          <p:spPr>
+            <a:xfrm>
+              <a:off x="1864" y="2400"/>
+              <a:ext cx="658" cy="658"/>
+            </a:xfrm>
+            <a:prstGeom prst="ellipse">
+              <a:avLst/>
+            </a:prstGeom>
+            <a:solidFill>
+              <a:schemeClr val="accent1">
+                <a:lumMod val="20000"/>
+                <a:lumOff val="80000"/>
+              </a:schemeClr>
+            </a:solidFill>
+          </p:spPr>
+          <p:style>
+            <a:lnRef idx="2">
+              <a:schemeClr val="accent1">
+                <a:shade val="50000"/>
+              </a:schemeClr>
+            </a:lnRef>
+            <a:fillRef idx="1">
+              <a:schemeClr val="accent1"/>
+            </a:fillRef>
+            <a:effectRef idx="0">
+              <a:schemeClr val="accent1"/>
+            </a:effectRef>
+            <a:fontRef idx="minor">
+              <a:schemeClr val="lt1"/>
+            </a:fontRef>
+          </p:style>
+          <p:txBody>
+            <a:bodyPr rtlCol="0" anchor="ctr"/>
+            <a:p>
+              <a:pPr algn="ctr"/>
+              <a:r>
+                <a:rPr lang="en-US" altLang="zh-CN" sz="2600" b="1">
+                  <a:solidFill>
+                    <a:schemeClr val="tx1"/>
+                  </a:solidFill>
+                  <a:effectLst>
+                    <a:outerShdw blurRad="38100" dist="38100" dir="2700000" algn="tl">
+                      <a:srgbClr val="000000">
+                        <a:alpha val="43137"/>
+                      </a:srgbClr>
+                    </a:outerShdw>
+                  </a:effectLst>
+                </a:rPr>
+                <a:t>S</a:t>
+              </a:r>
+              <a:endParaRPr lang="en-US" altLang="zh-CN" sz="2600" b="1">
+                <a:solidFill>
+                  <a:schemeClr val="tx1"/>
+                </a:solidFill>
+                <a:effectLst>
+                  <a:outerShdw blurRad="38100" dist="38100" dir="2700000" algn="tl">
+                    <a:srgbClr val="000000">
+                      <a:alpha val="43137"/>
+                    </a:srgbClr>
+                  </a:outerShdw>
+                </a:effectLst>
+              </a:endParaRPr>
+            </a:p>
+          </p:txBody>
+        </p:sp>
+        <p:sp>
+          <p:nvSpPr>
+            <p:cNvPr id="15" name="椭圆 14"/>
+            <p:cNvSpPr/>
+            <p:nvPr/>
+          </p:nvSpPr>
+          <p:spPr>
+            <a:xfrm>
+              <a:off x="3312" y="3828"/>
+              <a:ext cx="658" cy="658"/>
+            </a:xfrm>
+            <a:prstGeom prst="ellipse">
+              <a:avLst/>
+            </a:prstGeom>
+            <a:solidFill>
+              <a:schemeClr val="accent1">
+                <a:lumMod val="20000"/>
+                <a:lumOff val="80000"/>
+              </a:schemeClr>
+            </a:solidFill>
+          </p:spPr>
+          <p:style>
+            <a:lnRef idx="2">
+              <a:schemeClr val="accent1">
+                <a:shade val="50000"/>
+              </a:schemeClr>
+            </a:lnRef>
+            <a:fillRef idx="1">
+              <a:schemeClr val="accent1"/>
+            </a:fillRef>
+            <a:effectRef idx="0">
+              <a:schemeClr val="accent1"/>
+            </a:effectRef>
+            <a:fontRef idx="minor">
+              <a:schemeClr val="lt1"/>
+            </a:fontRef>
+          </p:style>
+          <p:txBody>
+            <a:bodyPr rtlCol="0" anchor="ctr"/>
+            <a:p>
+              <a:pPr algn="ctr"/>
+              <a:r>
+                <a:rPr lang="en-US" altLang="zh-CN" sz="2600" b="1">
+                  <a:solidFill>
+                    <a:schemeClr val="tx1"/>
+                  </a:solidFill>
+                  <a:effectLst>
+                    <a:outerShdw blurRad="38100" dist="38100" dir="2700000" algn="tl">
+                      <a:srgbClr val="000000">
+                        <a:alpha val="43137"/>
+                      </a:srgbClr>
+                    </a:outerShdw>
+                  </a:effectLst>
+                </a:rPr>
+                <a:t>D</a:t>
+              </a:r>
+              <a:endParaRPr lang="en-US" altLang="zh-CN" sz="2600" b="1">
+                <a:solidFill>
+                  <a:schemeClr val="tx1"/>
+                </a:solidFill>
+                <a:effectLst>
+                  <a:outerShdw blurRad="38100" dist="38100" dir="2700000" algn="tl">
+                    <a:srgbClr val="000000">
+                      <a:alpha val="43137"/>
+                    </a:srgbClr>
+                  </a:outerShdw>
+                </a:effectLst>
+              </a:endParaRPr>
+            </a:p>
+          </p:txBody>
+        </p:sp>
+        <p:sp>
+          <p:nvSpPr>
+            <p:cNvPr id="16" name="椭圆 15"/>
+            <p:cNvSpPr/>
+            <p:nvPr/>
+          </p:nvSpPr>
+          <p:spPr>
+            <a:xfrm>
+              <a:off x="4540" y="3828"/>
+              <a:ext cx="658" cy="658"/>
+            </a:xfrm>
+            <a:prstGeom prst="ellipse">
+              <a:avLst/>
+            </a:prstGeom>
+            <a:solidFill>
+              <a:schemeClr val="accent1">
+                <a:lumMod val="20000"/>
+                <a:lumOff val="80000"/>
+              </a:schemeClr>
+            </a:solidFill>
+          </p:spPr>
+          <p:style>
+            <a:lnRef idx="2">
+              <a:schemeClr val="accent1">
+                <a:shade val="50000"/>
+              </a:schemeClr>
+            </a:lnRef>
+            <a:fillRef idx="1">
+              <a:schemeClr val="accent1"/>
+            </a:fillRef>
+            <a:effectRef idx="0">
+              <a:schemeClr val="accent1"/>
+            </a:effectRef>
+            <a:fontRef idx="minor">
+              <a:schemeClr val="lt1"/>
+            </a:fontRef>
+          </p:style>
+          <p:txBody>
+            <a:bodyPr rtlCol="0" anchor="ctr"/>
+            <a:p>
+              <a:pPr algn="ctr"/>
+              <a:r>
+                <a:rPr lang="en-US" altLang="zh-CN" sz="2600" b="1">
+                  <a:solidFill>
+                    <a:schemeClr val="tx1"/>
+                  </a:solidFill>
+                  <a:effectLst>
+                    <a:outerShdw blurRad="38100" dist="38100" dir="2700000" algn="tl">
+                      <a:srgbClr val="000000">
+                        <a:alpha val="43137"/>
+                      </a:srgbClr>
+                    </a:outerShdw>
+                  </a:effectLst>
+                </a:rPr>
+                <a:t>A</a:t>
+              </a:r>
+              <a:endParaRPr lang="en-US" altLang="zh-CN" sz="2600" b="1">
+                <a:solidFill>
+                  <a:schemeClr val="tx1"/>
+                </a:solidFill>
+                <a:effectLst>
+                  <a:outerShdw blurRad="38100" dist="38100" dir="2700000" algn="tl">
+                    <a:srgbClr val="000000">
+                      <a:alpha val="43137"/>
+                    </a:srgbClr>
+                  </a:outerShdw>
+                </a:effectLst>
+              </a:endParaRPr>
+            </a:p>
+          </p:txBody>
+        </p:sp>
+        <p:cxnSp>
+          <p:nvCxnSpPr>
+            <p:cNvPr id="17" name="直接连接符 16"/>
+            <p:cNvCxnSpPr>
+              <a:stCxn id="4" idx="3"/>
+              <a:endCxn id="5" idx="7"/>
+            </p:cNvCxnSpPr>
+            <p:nvPr/>
+          </p:nvCxnSpPr>
+          <p:spPr>
+            <a:xfrm flipH="1">
+              <a:off x="6113" y="778"/>
+              <a:ext cx="2681" cy="394"/>
+            </a:xfrm>
+            <a:prstGeom prst="line">
+              <a:avLst/>
+            </a:prstGeom>
+          </p:spPr>
+          <p:style>
+            <a:lnRef idx="1">
+              <a:schemeClr val="dk1"/>
+            </a:lnRef>
+            <a:fillRef idx="0">
+              <a:schemeClr val="dk1"/>
+            </a:fillRef>
+            <a:effectRef idx="0">
+              <a:schemeClr val="dk1"/>
+            </a:effectRef>
+            <a:fontRef idx="minor">
+              <a:schemeClr val="tx1"/>
+            </a:fontRef>
+          </p:style>
+        </p:cxnSp>
+        <p:cxnSp>
+          <p:nvCxnSpPr>
+            <p:cNvPr id="18" name="直接连接符 17"/>
+            <p:cNvCxnSpPr>
+              <a:stCxn id="4" idx="5"/>
+              <a:endCxn id="10" idx="1"/>
+            </p:cNvCxnSpPr>
+            <p:nvPr/>
+          </p:nvCxnSpPr>
+          <p:spPr>
+            <a:xfrm>
+              <a:off x="9260" y="778"/>
+              <a:ext cx="6023" cy="394"/>
+            </a:xfrm>
+            <a:prstGeom prst="line">
+              <a:avLst/>
+            </a:prstGeom>
+          </p:spPr>
+          <p:style>
+            <a:lnRef idx="1">
+              <a:schemeClr val="dk1"/>
+            </a:lnRef>
+            <a:fillRef idx="0">
+              <a:schemeClr val="dk1"/>
+            </a:fillRef>
+            <a:effectRef idx="0">
+              <a:schemeClr val="dk1"/>
+            </a:effectRef>
+            <a:fontRef idx="minor">
+              <a:schemeClr val="tx1"/>
+            </a:fontRef>
+          </p:style>
+        </p:cxnSp>
+        <p:cxnSp>
+          <p:nvCxnSpPr>
+            <p:cNvPr id="19" name="直接连接符 18"/>
+            <p:cNvCxnSpPr>
+              <a:stCxn id="5" idx="5"/>
+              <a:endCxn id="12" idx="1"/>
+            </p:cNvCxnSpPr>
+            <p:nvPr/>
+          </p:nvCxnSpPr>
+          <p:spPr>
+            <a:xfrm>
+              <a:off x="6113" y="1638"/>
+              <a:ext cx="2194" cy="858"/>
+            </a:xfrm>
+            <a:prstGeom prst="line">
+              <a:avLst/>
+            </a:prstGeom>
+          </p:spPr>
+          <p:style>
+            <a:lnRef idx="1">
+              <a:schemeClr val="dk1"/>
+            </a:lnRef>
+            <a:fillRef idx="0">
+              <a:schemeClr val="dk1"/>
+            </a:fillRef>
+            <a:effectRef idx="0">
+              <a:schemeClr val="dk1"/>
+            </a:effectRef>
+            <a:fontRef idx="minor">
+              <a:schemeClr val="tx1"/>
+            </a:fontRef>
+          </p:style>
+        </p:cxnSp>
+        <p:cxnSp>
+          <p:nvCxnSpPr>
+            <p:cNvPr id="20" name="直接连接符 19"/>
+            <p:cNvCxnSpPr>
+              <a:stCxn id="10" idx="3"/>
+              <a:endCxn id="11" idx="0"/>
+            </p:cNvCxnSpPr>
+            <p:nvPr/>
+          </p:nvCxnSpPr>
+          <p:spPr>
+            <a:xfrm flipH="1">
+              <a:off x="12653" y="1638"/>
+              <a:ext cx="2630" cy="762"/>
+            </a:xfrm>
+            <a:prstGeom prst="line">
+              <a:avLst/>
+            </a:prstGeom>
+          </p:spPr>
+          <p:style>
+            <a:lnRef idx="1">
+              <a:schemeClr val="dk1"/>
+            </a:lnRef>
+            <a:fillRef idx="0">
+              <a:schemeClr val="dk1"/>
+            </a:fillRef>
+            <a:effectRef idx="0">
+              <a:schemeClr val="dk1"/>
+            </a:effectRef>
+            <a:fontRef idx="minor">
+              <a:schemeClr val="tx1"/>
+            </a:fontRef>
+          </p:style>
+        </p:cxnSp>
+        <p:cxnSp>
+          <p:nvCxnSpPr>
+            <p:cNvPr id="22" name="直接连接符 21"/>
+            <p:cNvCxnSpPr>
+              <a:stCxn id="10" idx="5"/>
+              <a:endCxn id="13" idx="0"/>
+            </p:cNvCxnSpPr>
+            <p:nvPr/>
+          </p:nvCxnSpPr>
+          <p:spPr>
+            <a:xfrm>
+              <a:off x="15749" y="1638"/>
+              <a:ext cx="2626" cy="762"/>
+            </a:xfrm>
+            <a:prstGeom prst="line">
+              <a:avLst/>
+            </a:prstGeom>
+          </p:spPr>
+          <p:style>
+            <a:lnRef idx="1">
+              <a:schemeClr val="dk1"/>
+            </a:lnRef>
+            <a:fillRef idx="0">
+              <a:schemeClr val="dk1"/>
+            </a:fillRef>
+            <a:effectRef idx="0">
+              <a:schemeClr val="dk1"/>
+            </a:effectRef>
+            <a:fontRef idx="minor">
+              <a:schemeClr val="tx1"/>
+            </a:fontRef>
+          </p:style>
+        </p:cxnSp>
+        <p:cxnSp>
+          <p:nvCxnSpPr>
+            <p:cNvPr id="23" name="直接连接符 22"/>
+            <p:cNvCxnSpPr>
+              <a:stCxn id="5" idx="3"/>
+              <a:endCxn id="14" idx="0"/>
+            </p:cNvCxnSpPr>
+            <p:nvPr/>
+          </p:nvCxnSpPr>
+          <p:spPr>
+            <a:xfrm flipH="1">
+              <a:off x="2193" y="1638"/>
+              <a:ext cx="3454" cy="762"/>
+            </a:xfrm>
+            <a:prstGeom prst="line">
+              <a:avLst/>
+            </a:prstGeom>
+          </p:spPr>
+          <p:style>
+            <a:lnRef idx="1">
+              <a:schemeClr val="dk1"/>
+            </a:lnRef>
+            <a:fillRef idx="0">
+              <a:schemeClr val="dk1"/>
+            </a:fillRef>
+            <a:effectRef idx="0">
+              <a:schemeClr val="dk1"/>
+            </a:effectRef>
+            <a:fontRef idx="minor">
+              <a:schemeClr val="tx1"/>
+            </a:fontRef>
+          </p:style>
+        </p:cxnSp>
+        <p:cxnSp>
+          <p:nvCxnSpPr>
+            <p:cNvPr id="24" name="直接连接符 23"/>
+            <p:cNvCxnSpPr>
+              <a:stCxn id="14" idx="4"/>
+              <a:endCxn id="15" idx="0"/>
+            </p:cNvCxnSpPr>
+            <p:nvPr/>
+          </p:nvCxnSpPr>
+          <p:spPr>
+            <a:xfrm>
+              <a:off x="2193" y="3058"/>
+              <a:ext cx="1448" cy="770"/>
+            </a:xfrm>
+            <a:prstGeom prst="line">
+              <a:avLst/>
+            </a:prstGeom>
+          </p:spPr>
+          <p:style>
+            <a:lnRef idx="1">
+              <a:schemeClr val="dk1"/>
+            </a:lnRef>
+            <a:fillRef idx="0">
+              <a:schemeClr val="dk1"/>
+            </a:fillRef>
+            <a:effectRef idx="0">
+              <a:schemeClr val="dk1"/>
+            </a:effectRef>
+            <a:fontRef idx="minor">
+              <a:schemeClr val="tx1"/>
+            </a:fontRef>
+          </p:style>
+        </p:cxnSp>
+        <p:cxnSp>
+          <p:nvCxnSpPr>
+            <p:cNvPr id="26" name="直接连接符 25"/>
+            <p:cNvCxnSpPr>
+              <a:stCxn id="14" idx="4"/>
+              <a:endCxn id="7" idx="0"/>
+            </p:cNvCxnSpPr>
+            <p:nvPr/>
+          </p:nvCxnSpPr>
+          <p:spPr>
+            <a:xfrm flipH="1">
+              <a:off x="700" y="3058"/>
+              <a:ext cx="1493" cy="770"/>
+            </a:xfrm>
+            <a:prstGeom prst="line">
+              <a:avLst/>
+            </a:prstGeom>
+          </p:spPr>
+          <p:style>
+            <a:lnRef idx="1">
+              <a:schemeClr val="dk1"/>
+            </a:lnRef>
+            <a:fillRef idx="0">
+              <a:schemeClr val="dk1"/>
+            </a:fillRef>
+            <a:effectRef idx="0">
+              <a:schemeClr val="dk1"/>
+            </a:effectRef>
+            <a:fontRef idx="minor">
+              <a:schemeClr val="tx1"/>
+            </a:fontRef>
+          </p:style>
+        </p:cxnSp>
+        <p:cxnSp>
+          <p:nvCxnSpPr>
+            <p:cNvPr id="27" name="直接连接符 26"/>
+            <p:cNvCxnSpPr>
+              <a:stCxn id="12" idx="4"/>
+              <a:endCxn id="6" idx="0"/>
+            </p:cNvCxnSpPr>
+            <p:nvPr/>
+          </p:nvCxnSpPr>
+          <p:spPr>
+            <a:xfrm flipH="1">
+              <a:off x="7726" y="3058"/>
+              <a:ext cx="814" cy="770"/>
+            </a:xfrm>
+            <a:prstGeom prst="line">
+              <a:avLst/>
+            </a:prstGeom>
+          </p:spPr>
+          <p:style>
+            <a:lnRef idx="1">
+              <a:schemeClr val="dk1"/>
+            </a:lnRef>
+            <a:fillRef idx="0">
+              <a:schemeClr val="dk1"/>
+            </a:fillRef>
+            <a:effectRef idx="0">
+              <a:schemeClr val="dk1"/>
+            </a:effectRef>
+            <a:fontRef idx="minor">
+              <a:schemeClr val="tx1"/>
+            </a:fontRef>
+          </p:style>
+        </p:cxnSp>
+        <p:cxnSp>
+          <p:nvCxnSpPr>
+            <p:cNvPr id="28" name="直接连接符 27"/>
+            <p:cNvCxnSpPr>
+              <a:stCxn id="12" idx="4"/>
+              <a:endCxn id="9" idx="0"/>
+            </p:cNvCxnSpPr>
+            <p:nvPr/>
+          </p:nvCxnSpPr>
+          <p:spPr>
+            <a:xfrm>
+              <a:off x="8540" y="3058"/>
+              <a:ext cx="955" cy="770"/>
+            </a:xfrm>
+            <a:prstGeom prst="line">
+              <a:avLst/>
+            </a:prstGeom>
+          </p:spPr>
+          <p:style>
+            <a:lnRef idx="1">
+              <a:schemeClr val="dk1"/>
+            </a:lnRef>
+            <a:fillRef idx="0">
+              <a:schemeClr val="dk1"/>
+            </a:fillRef>
+            <a:effectRef idx="0">
+              <a:schemeClr val="dk1"/>
+            </a:effectRef>
+            <a:fontRef idx="minor">
+              <a:schemeClr val="tx1"/>
+            </a:fontRef>
+          </p:style>
+        </p:cxnSp>
+        <p:cxnSp>
+          <p:nvCxnSpPr>
+            <p:cNvPr id="31" name="直接连接符 30"/>
+            <p:cNvCxnSpPr>
+              <a:stCxn id="10" idx="4"/>
+              <a:endCxn id="29" idx="0"/>
+            </p:cNvCxnSpPr>
+            <p:nvPr/>
+          </p:nvCxnSpPr>
+          <p:spPr>
+            <a:xfrm>
+              <a:off x="15516" y="1734"/>
+              <a:ext cx="0" cy="762"/>
+            </a:xfrm>
+            <a:prstGeom prst="line">
+              <a:avLst/>
+            </a:prstGeom>
+          </p:spPr>
+          <p:style>
+            <a:lnRef idx="1">
+              <a:schemeClr val="dk1"/>
+            </a:lnRef>
+            <a:fillRef idx="0">
+              <a:schemeClr val="dk1"/>
+            </a:fillRef>
+            <a:effectRef idx="0">
+              <a:schemeClr val="dk1"/>
+            </a:effectRef>
+            <a:fontRef idx="minor">
+              <a:schemeClr val="tx1"/>
+            </a:fontRef>
+          </p:style>
+        </p:cxnSp>
+        <p:sp>
+          <p:nvSpPr>
+            <p:cNvPr id="29" name="椭圆 28"/>
+            <p:cNvSpPr/>
+            <p:nvPr/>
+          </p:nvSpPr>
+          <p:spPr>
+            <a:xfrm>
+              <a:off x="15187" y="2496"/>
+              <a:ext cx="658" cy="658"/>
+            </a:xfrm>
+            <a:prstGeom prst="ellipse">
+              <a:avLst/>
+            </a:prstGeom>
+            <a:solidFill>
+              <a:schemeClr val="accent1">
+                <a:lumMod val="20000"/>
+                <a:lumOff val="80000"/>
+              </a:schemeClr>
+            </a:solidFill>
+          </p:spPr>
+          <p:style>
+            <a:lnRef idx="2">
+              <a:schemeClr val="accent1">
+                <a:shade val="50000"/>
+              </a:schemeClr>
+            </a:lnRef>
+            <a:fillRef idx="1">
+              <a:schemeClr val="accent1"/>
+            </a:fillRef>
+            <a:effectRef idx="0">
+              <a:schemeClr val="accent1"/>
+            </a:effectRef>
+            <a:fontRef idx="minor">
+              <a:schemeClr val="lt1"/>
+            </a:fontRef>
+          </p:style>
+          <p:txBody>
+            <a:bodyPr rtlCol="0" anchor="ctr"/>
+            <a:p>
+              <a:pPr algn="ctr"/>
+              <a:r>
+                <a:rPr lang="en-US" altLang="zh-CN" sz="2600" b="1">
+                  <a:solidFill>
+                    <a:schemeClr val="tx1"/>
+                  </a:solidFill>
+                  <a:effectLst>
+                    <a:outerShdw blurRad="38100" dist="38100" dir="2700000" algn="tl">
+                      <a:srgbClr val="000000">
+                        <a:alpha val="43137"/>
+                      </a:srgbClr>
+                    </a:outerShdw>
+                  </a:effectLst>
+                </a:rPr>
+                <a:t>S</a:t>
+              </a:r>
+              <a:endParaRPr lang="en-US" altLang="zh-CN" sz="2600" b="1">
+                <a:solidFill>
+                  <a:schemeClr val="tx1"/>
+                </a:solidFill>
+                <a:effectLst>
+                  <a:outerShdw blurRad="38100" dist="38100" dir="2700000" algn="tl">
+                    <a:srgbClr val="000000">
+                      <a:alpha val="43137"/>
+                    </a:srgbClr>
+                  </a:outerShdw>
+                </a:effectLst>
+              </a:endParaRPr>
+            </a:p>
+          </p:txBody>
+        </p:sp>
+        <p:sp>
+          <p:nvSpPr>
+            <p:cNvPr id="35" name="椭圆 34"/>
+            <p:cNvSpPr/>
+            <p:nvPr/>
+          </p:nvSpPr>
+          <p:spPr>
+            <a:xfrm>
+              <a:off x="5564" y="3828"/>
+              <a:ext cx="658" cy="658"/>
+            </a:xfrm>
+            <a:prstGeom prst="ellipse">
+              <a:avLst/>
+            </a:prstGeom>
+            <a:solidFill>
+              <a:schemeClr val="accent1">
+                <a:lumMod val="20000"/>
+                <a:lumOff val="80000"/>
+              </a:schemeClr>
+            </a:solidFill>
+          </p:spPr>
+          <p:style>
+            <a:lnRef idx="2">
+              <a:schemeClr val="accent1">
+                <a:shade val="50000"/>
+              </a:schemeClr>
+            </a:lnRef>
+            <a:fillRef idx="1">
+              <a:schemeClr val="accent1"/>
+            </a:fillRef>
+            <a:effectRef idx="0">
+              <a:schemeClr val="accent1"/>
+            </a:effectRef>
+            <a:fontRef idx="minor">
+              <a:schemeClr val="lt1"/>
+            </a:fontRef>
+          </p:style>
+          <p:txBody>
+            <a:bodyPr rtlCol="0" anchor="ctr"/>
+            <a:p>
+              <a:pPr algn="ctr"/>
+              <a:r>
+                <a:rPr lang="en-US" altLang="zh-CN" sz="2600" b="1">
+                  <a:solidFill>
+                    <a:schemeClr val="tx1"/>
+                  </a:solidFill>
+                  <a:effectLst>
+                    <a:outerShdw blurRad="38100" dist="38100" dir="2700000" algn="tl">
+                      <a:srgbClr val="000000">
+                        <a:alpha val="43137"/>
+                      </a:srgbClr>
+                    </a:outerShdw>
+                  </a:effectLst>
+                </a:rPr>
+                <a:t>C</a:t>
+              </a:r>
+              <a:endParaRPr lang="en-US" altLang="zh-CN" sz="2600" b="1">
+                <a:solidFill>
+                  <a:schemeClr val="tx1"/>
+                </a:solidFill>
+                <a:effectLst>
+                  <a:outerShdw blurRad="38100" dist="38100" dir="2700000" algn="tl">
+                    <a:srgbClr val="000000">
+                      <a:alpha val="43137"/>
+                    </a:srgbClr>
+                  </a:outerShdw>
+                </a:effectLst>
+              </a:endParaRPr>
+            </a:p>
+          </p:txBody>
+        </p:sp>
+        <p:cxnSp>
+          <p:nvCxnSpPr>
+            <p:cNvPr id="36" name="直接连接符 35"/>
+            <p:cNvCxnSpPr>
+              <a:stCxn id="38" idx="4"/>
+              <a:endCxn id="35" idx="0"/>
+            </p:cNvCxnSpPr>
+            <p:nvPr/>
+          </p:nvCxnSpPr>
+          <p:spPr>
+            <a:xfrm flipH="1">
+              <a:off x="5893" y="3058"/>
+              <a:ext cx="14" cy="770"/>
+            </a:xfrm>
+            <a:prstGeom prst="line">
+              <a:avLst/>
+            </a:prstGeom>
+          </p:spPr>
+          <p:style>
+            <a:lnRef idx="1">
+              <a:schemeClr val="dk1"/>
+            </a:lnRef>
+            <a:fillRef idx="0">
+              <a:schemeClr val="dk1"/>
+            </a:fillRef>
+            <a:effectRef idx="0">
+              <a:schemeClr val="dk1"/>
+            </a:effectRef>
+            <a:fontRef idx="minor">
+              <a:schemeClr val="tx1"/>
+            </a:fontRef>
+          </p:style>
+        </p:cxnSp>
+        <p:sp>
+          <p:nvSpPr>
+            <p:cNvPr id="38" name="椭圆 37"/>
+            <p:cNvSpPr/>
+            <p:nvPr/>
+          </p:nvSpPr>
+          <p:spPr>
+            <a:xfrm>
+              <a:off x="5578" y="2400"/>
+              <a:ext cx="658" cy="658"/>
+            </a:xfrm>
+            <a:prstGeom prst="ellipse">
+              <a:avLst/>
+            </a:prstGeom>
+            <a:solidFill>
+              <a:schemeClr val="accent1">
+                <a:lumMod val="20000"/>
+                <a:lumOff val="80000"/>
+              </a:schemeClr>
+            </a:solidFill>
+          </p:spPr>
+          <p:style>
+            <a:lnRef idx="2">
+              <a:schemeClr val="accent1">
+                <a:shade val="50000"/>
+              </a:schemeClr>
+            </a:lnRef>
+            <a:fillRef idx="1">
+              <a:schemeClr val="accent1"/>
+            </a:fillRef>
+            <a:effectRef idx="0">
+              <a:schemeClr val="accent1"/>
+            </a:effectRef>
+            <a:fontRef idx="minor">
+              <a:schemeClr val="lt1"/>
+            </a:fontRef>
+          </p:style>
+          <p:txBody>
+            <a:bodyPr rtlCol="0" anchor="ctr"/>
+            <a:p>
+              <a:pPr algn="ctr"/>
+              <a:r>
+                <a:rPr lang="en-US" altLang="zh-CN" sz="2600" b="1">
+                  <a:solidFill>
+                    <a:schemeClr val="tx1"/>
+                  </a:solidFill>
+                  <a:effectLst>
+                    <a:outerShdw blurRad="38100" dist="38100" dir="2700000" algn="tl">
+                      <a:srgbClr val="000000">
+                        <a:alpha val="43137"/>
+                      </a:srgbClr>
+                    </a:outerShdw>
+                  </a:effectLst>
+                </a:rPr>
+                <a:t>B</a:t>
+              </a:r>
+              <a:endParaRPr lang="en-US" altLang="zh-CN" sz="2600" b="1">
+                <a:solidFill>
+                  <a:schemeClr val="tx1"/>
+                </a:solidFill>
+                <a:effectLst>
+                  <a:outerShdw blurRad="38100" dist="38100" dir="2700000" algn="tl">
+                    <a:srgbClr val="000000">
+                      <a:alpha val="43137"/>
+                    </a:srgbClr>
+                  </a:outerShdw>
+                </a:effectLst>
+              </a:endParaRPr>
+            </a:p>
+          </p:txBody>
+        </p:sp>
+        <p:cxnSp>
+          <p:nvCxnSpPr>
+            <p:cNvPr id="39" name="直接连接符 38"/>
+            <p:cNvCxnSpPr>
+              <a:stCxn id="5" idx="4"/>
+              <a:endCxn id="38" idx="0"/>
+            </p:cNvCxnSpPr>
+            <p:nvPr/>
+          </p:nvCxnSpPr>
+          <p:spPr>
+            <a:xfrm>
+              <a:off x="5880" y="1734"/>
+              <a:ext cx="27" cy="666"/>
+            </a:xfrm>
+            <a:prstGeom prst="line">
+              <a:avLst/>
+            </a:prstGeom>
+          </p:spPr>
+          <p:style>
+            <a:lnRef idx="1">
+              <a:schemeClr val="dk1"/>
+            </a:lnRef>
+            <a:fillRef idx="0">
+              <a:schemeClr val="dk1"/>
+            </a:fillRef>
+            <a:effectRef idx="0">
+              <a:schemeClr val="dk1"/>
+            </a:effectRef>
+            <a:fontRef idx="minor">
+              <a:schemeClr val="tx1"/>
+            </a:fontRef>
+          </p:style>
+        </p:cxnSp>
+        <p:sp>
+          <p:nvSpPr>
+            <p:cNvPr id="40" name="椭圆 39"/>
+            <p:cNvSpPr/>
+            <p:nvPr/>
+          </p:nvSpPr>
+          <p:spPr>
+            <a:xfrm>
+              <a:off x="8211" y="3828"/>
+              <a:ext cx="658" cy="658"/>
+            </a:xfrm>
+            <a:prstGeom prst="ellipse">
+              <a:avLst/>
+            </a:prstGeom>
+            <a:solidFill>
+              <a:schemeClr val="accent1">
+                <a:lumMod val="20000"/>
+                <a:lumOff val="80000"/>
+              </a:schemeClr>
+            </a:solidFill>
+          </p:spPr>
+          <p:style>
+            <a:lnRef idx="2">
+              <a:schemeClr val="accent1">
+                <a:shade val="50000"/>
+              </a:schemeClr>
+            </a:lnRef>
+            <a:fillRef idx="1">
+              <a:schemeClr val="accent1"/>
+            </a:fillRef>
+            <a:effectRef idx="0">
+              <a:schemeClr val="accent1"/>
+            </a:effectRef>
+            <a:fontRef idx="minor">
+              <a:schemeClr val="lt1"/>
+            </a:fontRef>
+          </p:style>
+          <p:txBody>
+            <a:bodyPr rtlCol="0" anchor="ctr"/>
+            <a:p>
+              <a:pPr algn="ctr"/>
+              <a:r>
+                <a:rPr lang="en-US" altLang="zh-CN" sz="2600" b="1">
+                  <a:solidFill>
+                    <a:schemeClr val="tx1"/>
+                  </a:solidFill>
+                  <a:effectLst>
+                    <a:outerShdw blurRad="38100" dist="38100" dir="2700000" algn="tl">
+                      <a:srgbClr val="000000">
+                        <a:alpha val="43137"/>
+                      </a:srgbClr>
+                    </a:outerShdw>
+                  </a:effectLst>
+                </a:rPr>
+                <a:t>S</a:t>
+              </a:r>
+              <a:endParaRPr lang="en-US" altLang="zh-CN" sz="2600" b="1">
+                <a:solidFill>
+                  <a:schemeClr val="tx1"/>
+                </a:solidFill>
+                <a:effectLst>
+                  <a:outerShdw blurRad="38100" dist="38100" dir="2700000" algn="tl">
+                    <a:srgbClr val="000000">
+                      <a:alpha val="43137"/>
+                    </a:srgbClr>
+                  </a:outerShdw>
+                </a:effectLst>
+              </a:endParaRPr>
+            </a:p>
+          </p:txBody>
+        </p:sp>
+        <p:cxnSp>
+          <p:nvCxnSpPr>
+            <p:cNvPr id="41" name="直接连接符 40"/>
+            <p:cNvCxnSpPr>
+              <a:stCxn id="12" idx="4"/>
+              <a:endCxn id="40" idx="0"/>
+            </p:cNvCxnSpPr>
+            <p:nvPr/>
+          </p:nvCxnSpPr>
+          <p:spPr>
+            <a:xfrm>
+              <a:off x="8540" y="3058"/>
+              <a:ext cx="0" cy="770"/>
+            </a:xfrm>
+            <a:prstGeom prst="line">
+              <a:avLst/>
+            </a:prstGeom>
+          </p:spPr>
+          <p:style>
+            <a:lnRef idx="1">
+              <a:schemeClr val="dk1"/>
+            </a:lnRef>
+            <a:fillRef idx="0">
+              <a:schemeClr val="dk1"/>
+            </a:fillRef>
+            <a:effectRef idx="0">
+              <a:schemeClr val="dk1"/>
+            </a:effectRef>
+            <a:fontRef idx="minor">
+              <a:schemeClr val="tx1"/>
+            </a:fontRef>
+          </p:style>
+        </p:cxnSp>
+        <p:sp>
+          <p:nvSpPr>
+            <p:cNvPr id="42" name="椭圆 41"/>
+            <p:cNvSpPr/>
+            <p:nvPr/>
+          </p:nvSpPr>
+          <p:spPr>
+            <a:xfrm>
+              <a:off x="6610" y="3828"/>
+              <a:ext cx="658" cy="658"/>
+            </a:xfrm>
+            <a:prstGeom prst="ellipse">
+              <a:avLst/>
+            </a:prstGeom>
+            <a:solidFill>
+              <a:schemeClr val="accent1">
+                <a:lumMod val="20000"/>
+                <a:lumOff val="80000"/>
+              </a:schemeClr>
+            </a:solidFill>
+          </p:spPr>
+          <p:style>
+            <a:lnRef idx="2">
+              <a:schemeClr val="accent1">
+                <a:shade val="50000"/>
+              </a:schemeClr>
+            </a:lnRef>
+            <a:fillRef idx="1">
+              <a:schemeClr val="accent1"/>
+            </a:fillRef>
+            <a:effectRef idx="0">
+              <a:schemeClr val="accent1"/>
+            </a:effectRef>
+            <a:fontRef idx="minor">
+              <a:schemeClr val="lt1"/>
+            </a:fontRef>
+          </p:style>
+          <p:txBody>
+            <a:bodyPr rtlCol="0" anchor="ctr"/>
+            <a:p>
+              <a:pPr algn="ctr"/>
+              <a:r>
+                <a:rPr lang="en-US" altLang="zh-CN" sz="2600" b="1">
+                  <a:solidFill>
+                    <a:schemeClr val="tx1"/>
+                  </a:solidFill>
+                  <a:effectLst>
+                    <a:outerShdw blurRad="38100" dist="38100" dir="2700000" algn="tl">
+                      <a:srgbClr val="000000">
+                        <a:alpha val="43137"/>
+                      </a:srgbClr>
+                    </a:outerShdw>
+                  </a:effectLst>
+                </a:rPr>
+                <a:t>E</a:t>
+              </a:r>
+              <a:endParaRPr lang="en-US" altLang="zh-CN" sz="2600" b="1">
+                <a:solidFill>
+                  <a:schemeClr val="tx1"/>
+                </a:solidFill>
+                <a:effectLst>
+                  <a:outerShdw blurRad="38100" dist="38100" dir="2700000" algn="tl">
+                    <a:srgbClr val="000000">
+                      <a:alpha val="43137"/>
+                    </a:srgbClr>
+                  </a:outerShdw>
+                </a:effectLst>
+              </a:endParaRPr>
+            </a:p>
+          </p:txBody>
+        </p:sp>
+        <p:cxnSp>
+          <p:nvCxnSpPr>
+            <p:cNvPr id="43" name="直接连接符 42"/>
+            <p:cNvCxnSpPr>
+              <a:stCxn id="38" idx="3"/>
+              <a:endCxn id="16" idx="7"/>
+            </p:cNvCxnSpPr>
+            <p:nvPr/>
+          </p:nvCxnSpPr>
+          <p:spPr>
+            <a:xfrm flipH="1">
+              <a:off x="5102" y="2962"/>
+              <a:ext cx="572" cy="962"/>
+            </a:xfrm>
+            <a:prstGeom prst="line">
+              <a:avLst/>
+            </a:prstGeom>
+          </p:spPr>
+          <p:style>
+            <a:lnRef idx="1">
+              <a:schemeClr val="dk1"/>
+            </a:lnRef>
+            <a:fillRef idx="0">
+              <a:schemeClr val="dk1"/>
+            </a:fillRef>
+            <a:effectRef idx="0">
+              <a:schemeClr val="dk1"/>
+            </a:effectRef>
+            <a:fontRef idx="minor">
+              <a:schemeClr val="tx1"/>
+            </a:fontRef>
+          </p:style>
+        </p:cxnSp>
+        <p:cxnSp>
+          <p:nvCxnSpPr>
+            <p:cNvPr id="44" name="直接连接符 43"/>
+            <p:cNvCxnSpPr>
+              <a:stCxn id="38" idx="5"/>
+              <a:endCxn id="42" idx="1"/>
+            </p:cNvCxnSpPr>
+            <p:nvPr/>
+          </p:nvCxnSpPr>
+          <p:spPr>
+            <a:xfrm>
+              <a:off x="6140" y="2962"/>
+              <a:ext cx="566" cy="962"/>
+            </a:xfrm>
+            <a:prstGeom prst="line">
+              <a:avLst/>
+            </a:prstGeom>
+          </p:spPr>
+          <p:style>
+            <a:lnRef idx="1">
+              <a:schemeClr val="dk1"/>
+            </a:lnRef>
+            <a:fillRef idx="0">
+              <a:schemeClr val="dk1"/>
+            </a:fillRef>
+            <a:effectRef idx="0">
+              <a:schemeClr val="dk1"/>
+            </a:effectRef>
+            <a:fontRef idx="minor">
+              <a:schemeClr val="tx1"/>
+            </a:fontRef>
+          </p:style>
+        </p:cxnSp>
+        <p:sp>
+          <p:nvSpPr>
+            <p:cNvPr id="45" name="椭圆 44"/>
+            <p:cNvSpPr/>
+            <p:nvPr/>
+          </p:nvSpPr>
+          <p:spPr>
+            <a:xfrm>
+              <a:off x="10923" y="3828"/>
+              <a:ext cx="658" cy="658"/>
+            </a:xfrm>
+            <a:prstGeom prst="ellipse">
+              <a:avLst/>
+            </a:prstGeom>
+            <a:solidFill>
+              <a:schemeClr val="accent1">
+                <a:lumMod val="20000"/>
+                <a:lumOff val="80000"/>
+              </a:schemeClr>
+            </a:solidFill>
+          </p:spPr>
+          <p:style>
+            <a:lnRef idx="2">
+              <a:schemeClr val="accent1">
+                <a:shade val="50000"/>
+              </a:schemeClr>
+            </a:lnRef>
+            <a:fillRef idx="1">
+              <a:schemeClr val="accent1"/>
+            </a:fillRef>
+            <a:effectRef idx="0">
+              <a:schemeClr val="accent1"/>
+            </a:effectRef>
+            <a:fontRef idx="minor">
+              <a:schemeClr val="lt1"/>
+            </a:fontRef>
+          </p:style>
+          <p:txBody>
+            <a:bodyPr rtlCol="0" anchor="ctr"/>
+            <a:p>
+              <a:pPr algn="ctr"/>
+              <a:r>
+                <a:rPr lang="en-US" altLang="zh-CN" sz="2600" b="1">
+                  <a:solidFill>
+                    <a:schemeClr val="tx1"/>
+                  </a:solidFill>
+                  <a:effectLst>
+                    <a:outerShdw blurRad="38100" dist="38100" dir="2700000" algn="tl">
+                      <a:srgbClr val="000000">
+                        <a:alpha val="43137"/>
+                      </a:srgbClr>
+                    </a:outerShdw>
+                  </a:effectLst>
+                </a:rPr>
+                <a:t>D</a:t>
+              </a:r>
+              <a:endParaRPr lang="en-US" altLang="zh-CN" sz="2600" b="1">
+                <a:solidFill>
+                  <a:schemeClr val="tx1"/>
+                </a:solidFill>
+                <a:effectLst>
+                  <a:outerShdw blurRad="38100" dist="38100" dir="2700000" algn="tl">
+                    <a:srgbClr val="000000">
+                      <a:alpha val="43137"/>
+                    </a:srgbClr>
+                  </a:outerShdw>
+                </a:effectLst>
+              </a:endParaRPr>
+            </a:p>
+          </p:txBody>
+        </p:sp>
+        <p:sp>
+          <p:nvSpPr>
+            <p:cNvPr id="47" name="椭圆 46"/>
+            <p:cNvSpPr/>
+            <p:nvPr/>
+          </p:nvSpPr>
+          <p:spPr>
+            <a:xfrm>
+              <a:off x="12324" y="3828"/>
+              <a:ext cx="658" cy="658"/>
+            </a:xfrm>
+            <a:prstGeom prst="ellipse">
+              <a:avLst/>
+            </a:prstGeom>
+            <a:solidFill>
+              <a:schemeClr val="accent1">
+                <a:lumMod val="20000"/>
+                <a:lumOff val="80000"/>
+              </a:schemeClr>
+            </a:solidFill>
+          </p:spPr>
+          <p:style>
+            <a:lnRef idx="2">
+              <a:schemeClr val="accent1">
+                <a:shade val="50000"/>
+              </a:schemeClr>
+            </a:lnRef>
+            <a:fillRef idx="1">
+              <a:schemeClr val="accent1"/>
+            </a:fillRef>
+            <a:effectRef idx="0">
+              <a:schemeClr val="accent1"/>
+            </a:effectRef>
+            <a:fontRef idx="minor">
+              <a:schemeClr val="lt1"/>
+            </a:fontRef>
+          </p:style>
+          <p:txBody>
+            <a:bodyPr rtlCol="0" anchor="ctr"/>
+            <a:p>
+              <a:pPr algn="ctr"/>
+              <a:r>
+                <a:rPr lang="en-US" altLang="zh-CN" sz="2600" b="1">
+                  <a:solidFill>
+                    <a:schemeClr val="tx1"/>
+                  </a:solidFill>
+                  <a:effectLst>
+                    <a:outerShdw blurRad="38100" dist="38100" dir="2700000" algn="tl">
+                      <a:srgbClr val="000000">
+                        <a:alpha val="43137"/>
+                      </a:srgbClr>
+                    </a:outerShdw>
+                  </a:effectLst>
+                </a:rPr>
+                <a:t>F</a:t>
+              </a:r>
+              <a:endParaRPr lang="en-US" altLang="zh-CN" sz="2600" b="1">
+                <a:solidFill>
+                  <a:schemeClr val="tx1"/>
+                </a:solidFill>
+                <a:effectLst>
+                  <a:outerShdw blurRad="38100" dist="38100" dir="2700000" algn="tl">
+                    <a:srgbClr val="000000">
+                      <a:alpha val="43137"/>
+                    </a:srgbClr>
+                  </a:outerShdw>
+                </a:effectLst>
+              </a:endParaRPr>
+            </a:p>
+          </p:txBody>
+        </p:sp>
+        <p:sp>
+          <p:nvSpPr>
+            <p:cNvPr id="48" name="椭圆 47"/>
+            <p:cNvSpPr/>
+            <p:nvPr/>
+          </p:nvSpPr>
+          <p:spPr>
+            <a:xfrm>
+              <a:off x="13778" y="3828"/>
+              <a:ext cx="658" cy="658"/>
+            </a:xfrm>
+            <a:prstGeom prst="ellipse">
+              <a:avLst/>
+            </a:prstGeom>
+            <a:solidFill>
+              <a:schemeClr val="accent1">
+                <a:lumMod val="20000"/>
+                <a:lumOff val="80000"/>
+              </a:schemeClr>
+            </a:solidFill>
+          </p:spPr>
+          <p:style>
+            <a:lnRef idx="2">
+              <a:schemeClr val="accent1">
+                <a:shade val="50000"/>
+              </a:schemeClr>
+            </a:lnRef>
+            <a:fillRef idx="1">
+              <a:schemeClr val="accent1"/>
+            </a:fillRef>
+            <a:effectRef idx="0">
+              <a:schemeClr val="accent1"/>
+            </a:effectRef>
+            <a:fontRef idx="minor">
+              <a:schemeClr val="lt1"/>
+            </a:fontRef>
+          </p:style>
+          <p:txBody>
+            <a:bodyPr rtlCol="0" anchor="ctr"/>
+            <a:p>
+              <a:pPr algn="ctr"/>
+              <a:r>
+                <a:rPr lang="en-US" altLang="zh-CN" sz="2600" b="1">
+                  <a:solidFill>
+                    <a:schemeClr val="tx1"/>
+                  </a:solidFill>
+                  <a:effectLst>
+                    <a:outerShdw blurRad="38100" dist="38100" dir="2700000" algn="tl">
+                      <a:srgbClr val="000000">
+                        <a:alpha val="43137"/>
+                      </a:srgbClr>
+                    </a:outerShdw>
+                  </a:effectLst>
+                </a:rPr>
+                <a:t>B</a:t>
+              </a:r>
+              <a:endParaRPr lang="en-US" altLang="zh-CN" sz="2600" b="1">
+                <a:solidFill>
+                  <a:schemeClr val="tx1"/>
+                </a:solidFill>
+                <a:effectLst>
+                  <a:outerShdw blurRad="38100" dist="38100" dir="2700000" algn="tl">
+                    <a:srgbClr val="000000">
+                      <a:alpha val="43137"/>
+                    </a:srgbClr>
+                  </a:outerShdw>
+                </a:effectLst>
+              </a:endParaRPr>
+            </a:p>
+          </p:txBody>
+        </p:sp>
+        <p:cxnSp>
+          <p:nvCxnSpPr>
+            <p:cNvPr id="49" name="直接连接符 48"/>
+            <p:cNvCxnSpPr>
+              <a:stCxn id="11" idx="3"/>
+              <a:endCxn id="45" idx="7"/>
+            </p:cNvCxnSpPr>
+            <p:nvPr/>
+          </p:nvCxnSpPr>
+          <p:spPr>
+            <a:xfrm flipH="1">
+              <a:off x="11485" y="2962"/>
+              <a:ext cx="935" cy="962"/>
+            </a:xfrm>
+            <a:prstGeom prst="line">
+              <a:avLst/>
+            </a:prstGeom>
+          </p:spPr>
+          <p:style>
+            <a:lnRef idx="1">
+              <a:schemeClr val="dk1"/>
+            </a:lnRef>
+            <a:fillRef idx="0">
+              <a:schemeClr val="dk1"/>
+            </a:fillRef>
+            <a:effectRef idx="0">
+              <a:schemeClr val="dk1"/>
+            </a:effectRef>
+            <a:fontRef idx="minor">
+              <a:schemeClr val="tx1"/>
+            </a:fontRef>
+          </p:style>
+        </p:cxnSp>
+        <p:cxnSp>
+          <p:nvCxnSpPr>
+            <p:cNvPr id="50" name="直接连接符 49"/>
+            <p:cNvCxnSpPr>
+              <a:stCxn id="11" idx="5"/>
+              <a:endCxn id="48" idx="1"/>
+            </p:cNvCxnSpPr>
+            <p:nvPr/>
+          </p:nvCxnSpPr>
+          <p:spPr>
+            <a:xfrm>
+              <a:off x="12886" y="2962"/>
+              <a:ext cx="988" cy="962"/>
+            </a:xfrm>
+            <a:prstGeom prst="line">
+              <a:avLst/>
+            </a:prstGeom>
+          </p:spPr>
+          <p:style>
+            <a:lnRef idx="1">
+              <a:schemeClr val="dk1"/>
+            </a:lnRef>
+            <a:fillRef idx="0">
+              <a:schemeClr val="dk1"/>
+            </a:fillRef>
+            <a:effectRef idx="0">
+              <a:schemeClr val="dk1"/>
+            </a:effectRef>
+            <a:fontRef idx="minor">
+              <a:schemeClr val="tx1"/>
+            </a:fontRef>
+          </p:style>
+        </p:cxnSp>
+        <p:cxnSp>
+          <p:nvCxnSpPr>
+            <p:cNvPr id="51" name="直接连接符 50"/>
+            <p:cNvCxnSpPr>
+              <a:stCxn id="11" idx="4"/>
+              <a:endCxn id="47" idx="0"/>
+            </p:cNvCxnSpPr>
+            <p:nvPr/>
+          </p:nvCxnSpPr>
+          <p:spPr>
+            <a:xfrm>
+              <a:off x="12653" y="3058"/>
+              <a:ext cx="0" cy="770"/>
+            </a:xfrm>
+            <a:prstGeom prst="line">
+              <a:avLst/>
+            </a:prstGeom>
+          </p:spPr>
+          <p:style>
+            <a:lnRef idx="1">
+              <a:schemeClr val="dk1"/>
+            </a:lnRef>
+            <a:fillRef idx="0">
+              <a:schemeClr val="dk1"/>
+            </a:fillRef>
+            <a:effectRef idx="0">
+              <a:schemeClr val="dk1"/>
+            </a:effectRef>
+            <a:fontRef idx="minor">
+              <a:schemeClr val="tx1"/>
+            </a:fontRef>
+          </p:style>
+        </p:cxnSp>
+        <p:sp>
+          <p:nvSpPr>
+            <p:cNvPr id="52" name="椭圆 51"/>
+            <p:cNvSpPr/>
+            <p:nvPr/>
+          </p:nvSpPr>
+          <p:spPr>
+            <a:xfrm>
+              <a:off x="14625" y="3828"/>
+              <a:ext cx="658" cy="658"/>
+            </a:xfrm>
+            <a:prstGeom prst="ellipse">
+              <a:avLst/>
+            </a:prstGeom>
+            <a:solidFill>
+              <a:schemeClr val="accent1">
+                <a:lumMod val="20000"/>
+                <a:lumOff val="80000"/>
+              </a:schemeClr>
+            </a:solidFill>
+          </p:spPr>
+          <p:style>
+            <a:lnRef idx="2">
+              <a:schemeClr val="accent1">
+                <a:shade val="50000"/>
+              </a:schemeClr>
+            </a:lnRef>
+            <a:fillRef idx="1">
+              <a:schemeClr val="accent1"/>
+            </a:fillRef>
+            <a:effectRef idx="0">
+              <a:schemeClr val="accent1"/>
+            </a:effectRef>
+            <a:fontRef idx="minor">
+              <a:schemeClr val="lt1"/>
+            </a:fontRef>
+          </p:style>
+          <p:txBody>
+            <a:bodyPr rtlCol="0" anchor="ctr"/>
+            <a:p>
+              <a:pPr algn="ctr"/>
+              <a:r>
+                <a:rPr lang="en-US" altLang="zh-CN" sz="2600" b="1">
+                  <a:solidFill>
+                    <a:schemeClr val="tx1"/>
+                  </a:solidFill>
+                  <a:effectLst>
+                    <a:outerShdw blurRad="38100" dist="38100" dir="2700000" algn="tl">
+                      <a:srgbClr val="000000">
+                        <a:alpha val="43137"/>
+                      </a:srgbClr>
+                    </a:outerShdw>
+                  </a:effectLst>
+                </a:rPr>
+                <a:t>A</a:t>
+              </a:r>
+              <a:endParaRPr lang="en-US" altLang="zh-CN" sz="2600" b="1">
+                <a:solidFill>
+                  <a:schemeClr val="tx1"/>
+                </a:solidFill>
+                <a:effectLst>
+                  <a:outerShdw blurRad="38100" dist="38100" dir="2700000" algn="tl">
+                    <a:srgbClr val="000000">
+                      <a:alpha val="43137"/>
+                    </a:srgbClr>
+                  </a:outerShdw>
+                </a:effectLst>
+              </a:endParaRPr>
+            </a:p>
+          </p:txBody>
+        </p:sp>
+        <p:sp>
+          <p:nvSpPr>
+            <p:cNvPr id="53" name="椭圆 52"/>
+            <p:cNvSpPr/>
+            <p:nvPr/>
+          </p:nvSpPr>
+          <p:spPr>
+            <a:xfrm>
+              <a:off x="15845" y="3828"/>
+              <a:ext cx="658" cy="658"/>
+            </a:xfrm>
+            <a:prstGeom prst="ellipse">
+              <a:avLst/>
+            </a:prstGeom>
+            <a:solidFill>
+              <a:schemeClr val="accent1">
+                <a:lumMod val="20000"/>
+                <a:lumOff val="80000"/>
+              </a:schemeClr>
+            </a:solidFill>
+          </p:spPr>
+          <p:style>
+            <a:lnRef idx="2">
+              <a:schemeClr val="accent1">
+                <a:shade val="50000"/>
+              </a:schemeClr>
+            </a:lnRef>
+            <a:fillRef idx="1">
+              <a:schemeClr val="accent1"/>
+            </a:fillRef>
+            <a:effectRef idx="0">
+              <a:schemeClr val="accent1"/>
+            </a:effectRef>
+            <a:fontRef idx="minor">
+              <a:schemeClr val="lt1"/>
+            </a:fontRef>
+          </p:style>
+          <p:txBody>
+            <a:bodyPr rtlCol="0" anchor="ctr"/>
+            <a:p>
+              <a:pPr algn="ctr"/>
+              <a:r>
+                <a:rPr lang="en-US" altLang="zh-CN" sz="2600" b="1">
+                  <a:solidFill>
+                    <a:schemeClr val="tx1"/>
+                  </a:solidFill>
+                  <a:effectLst>
+                    <a:outerShdw blurRad="38100" dist="38100" dir="2700000" algn="tl">
+                      <a:srgbClr val="000000">
+                        <a:alpha val="43137"/>
+                      </a:srgbClr>
+                    </a:outerShdw>
+                  </a:effectLst>
+                </a:rPr>
+                <a:t>D</a:t>
+              </a:r>
+              <a:endParaRPr lang="en-US" altLang="zh-CN" sz="2600" b="1">
+                <a:solidFill>
+                  <a:schemeClr val="tx1"/>
+                </a:solidFill>
+                <a:effectLst>
+                  <a:outerShdw blurRad="38100" dist="38100" dir="2700000" algn="tl">
+                    <a:srgbClr val="000000">
+                      <a:alpha val="43137"/>
+                    </a:srgbClr>
+                  </a:outerShdw>
+                </a:effectLst>
+              </a:endParaRPr>
+            </a:p>
+          </p:txBody>
+        </p:sp>
+        <p:cxnSp>
+          <p:nvCxnSpPr>
+            <p:cNvPr id="54" name="直接连接符 53"/>
+            <p:cNvCxnSpPr>
+              <a:stCxn id="29" idx="4"/>
+              <a:endCxn id="53" idx="0"/>
+            </p:cNvCxnSpPr>
+            <p:nvPr/>
+          </p:nvCxnSpPr>
+          <p:spPr>
+            <a:xfrm>
+              <a:off x="15516" y="3154"/>
+              <a:ext cx="658" cy="674"/>
+            </a:xfrm>
+            <a:prstGeom prst="line">
+              <a:avLst/>
+            </a:prstGeom>
+          </p:spPr>
+          <p:style>
+            <a:lnRef idx="1">
+              <a:schemeClr val="dk1"/>
+            </a:lnRef>
+            <a:fillRef idx="0">
+              <a:schemeClr val="dk1"/>
+            </a:fillRef>
+            <a:effectRef idx="0">
+              <a:schemeClr val="dk1"/>
+            </a:effectRef>
+            <a:fontRef idx="minor">
+              <a:schemeClr val="tx1"/>
+            </a:fontRef>
+          </p:style>
+        </p:cxnSp>
+        <p:cxnSp>
+          <p:nvCxnSpPr>
+            <p:cNvPr id="55" name="直接连接符 54"/>
+            <p:cNvCxnSpPr>
+              <a:stCxn id="29" idx="4"/>
+              <a:endCxn id="52" idx="0"/>
+            </p:cNvCxnSpPr>
+            <p:nvPr/>
+          </p:nvCxnSpPr>
+          <p:spPr>
+            <a:xfrm flipH="1">
+              <a:off x="14954" y="3154"/>
+              <a:ext cx="562" cy="674"/>
+            </a:xfrm>
+            <a:prstGeom prst="line">
+              <a:avLst/>
+            </a:prstGeom>
+          </p:spPr>
+          <p:style>
+            <a:lnRef idx="1">
+              <a:schemeClr val="dk1"/>
+            </a:lnRef>
+            <a:fillRef idx="0">
+              <a:schemeClr val="dk1"/>
+            </a:fillRef>
+            <a:effectRef idx="0">
+              <a:schemeClr val="dk1"/>
+            </a:effectRef>
+            <a:fontRef idx="minor">
+              <a:schemeClr val="tx1"/>
+            </a:fontRef>
+          </p:style>
+        </p:cxnSp>
+        <p:sp>
+          <p:nvSpPr>
+            <p:cNvPr id="56" name="椭圆 55"/>
+            <p:cNvSpPr/>
+            <p:nvPr/>
+          </p:nvSpPr>
+          <p:spPr>
+            <a:xfrm>
+              <a:off x="18375" y="3828"/>
+              <a:ext cx="658" cy="658"/>
+            </a:xfrm>
+            <a:prstGeom prst="ellipse">
+              <a:avLst/>
+            </a:prstGeom>
+            <a:solidFill>
+              <a:schemeClr val="accent1">
+                <a:lumMod val="20000"/>
+                <a:lumOff val="80000"/>
+              </a:schemeClr>
+            </a:solidFill>
+          </p:spPr>
+          <p:style>
+            <a:lnRef idx="2">
+              <a:schemeClr val="accent1">
+                <a:shade val="50000"/>
+              </a:schemeClr>
+            </a:lnRef>
+            <a:fillRef idx="1">
+              <a:schemeClr val="accent1"/>
+            </a:fillRef>
+            <a:effectRef idx="0">
+              <a:schemeClr val="accent1"/>
+            </a:effectRef>
+            <a:fontRef idx="minor">
+              <a:schemeClr val="lt1"/>
+            </a:fontRef>
+          </p:style>
+          <p:txBody>
+            <a:bodyPr rtlCol="0" anchor="ctr"/>
+            <a:p>
+              <a:pPr algn="ctr"/>
+              <a:r>
+                <a:rPr lang="en-US" altLang="zh-CN" sz="2600" b="1">
+                  <a:solidFill>
+                    <a:schemeClr val="tx1"/>
+                  </a:solidFill>
+                  <a:effectLst>
+                    <a:outerShdw blurRad="38100" dist="38100" dir="2700000" algn="tl">
+                      <a:srgbClr val="000000">
+                        <a:alpha val="43137"/>
+                      </a:srgbClr>
+                    </a:outerShdw>
+                  </a:effectLst>
+                </a:rPr>
+                <a:t>D</a:t>
+              </a:r>
+              <a:endParaRPr lang="en-US" altLang="zh-CN" sz="2600" b="1">
+                <a:solidFill>
+                  <a:schemeClr val="tx1"/>
+                </a:solidFill>
+                <a:effectLst>
+                  <a:outerShdw blurRad="38100" dist="38100" dir="2700000" algn="tl">
+                    <a:srgbClr val="000000">
+                      <a:alpha val="43137"/>
+                    </a:srgbClr>
+                  </a:outerShdw>
+                </a:effectLst>
+              </a:endParaRPr>
+            </a:p>
+          </p:txBody>
+        </p:sp>
+        <p:sp>
+          <p:nvSpPr>
+            <p:cNvPr id="57" name="椭圆 56"/>
+            <p:cNvSpPr/>
+            <p:nvPr/>
+          </p:nvSpPr>
+          <p:spPr>
+            <a:xfrm>
+              <a:off x="16733" y="3828"/>
+              <a:ext cx="658" cy="658"/>
+            </a:xfrm>
+            <a:prstGeom prst="ellipse">
+              <a:avLst/>
+            </a:prstGeom>
+            <a:solidFill>
+              <a:schemeClr val="accent1">
+                <a:lumMod val="20000"/>
+                <a:lumOff val="80000"/>
+              </a:schemeClr>
+            </a:solidFill>
+          </p:spPr>
+          <p:style>
+            <a:lnRef idx="2">
+              <a:schemeClr val="accent1">
+                <a:shade val="50000"/>
+              </a:schemeClr>
+            </a:lnRef>
+            <a:fillRef idx="1">
+              <a:schemeClr val="accent1"/>
+            </a:fillRef>
+            <a:effectRef idx="0">
+              <a:schemeClr val="accent1"/>
+            </a:effectRef>
+            <a:fontRef idx="minor">
+              <a:schemeClr val="lt1"/>
+            </a:fontRef>
+          </p:style>
+          <p:txBody>
+            <a:bodyPr rtlCol="0" anchor="ctr"/>
+            <a:p>
+              <a:pPr algn="ctr"/>
+              <a:r>
+                <a:rPr lang="en-US" altLang="zh-CN" sz="2600" b="1">
+                  <a:solidFill>
+                    <a:schemeClr val="tx1"/>
+                  </a:solidFill>
+                  <a:effectLst>
+                    <a:outerShdw blurRad="38100" dist="38100" dir="2700000" algn="tl">
+                      <a:srgbClr val="000000">
+                        <a:alpha val="43137"/>
+                      </a:srgbClr>
+                    </a:outerShdw>
+                  </a:effectLst>
+                </a:rPr>
+                <a:t>S</a:t>
+              </a:r>
+              <a:endParaRPr lang="en-US" altLang="zh-CN" sz="2600" b="1">
+                <a:solidFill>
+                  <a:schemeClr val="tx1"/>
+                </a:solidFill>
+                <a:effectLst>
+                  <a:outerShdw blurRad="38100" dist="38100" dir="2700000" algn="tl">
+                    <a:srgbClr val="000000">
+                      <a:alpha val="43137"/>
+                    </a:srgbClr>
+                  </a:outerShdw>
+                </a:effectLst>
+              </a:endParaRPr>
+            </a:p>
+          </p:txBody>
+        </p:sp>
+        <p:cxnSp>
+          <p:nvCxnSpPr>
+            <p:cNvPr id="58" name="直接连接符 57"/>
+            <p:cNvCxnSpPr>
+              <a:stCxn id="13" idx="5"/>
+              <a:endCxn id="56" idx="1"/>
+            </p:cNvCxnSpPr>
+            <p:nvPr/>
+          </p:nvCxnSpPr>
+          <p:spPr>
+            <a:xfrm flipH="1">
+              <a:off x="18471" y="2962"/>
+              <a:ext cx="137" cy="962"/>
+            </a:xfrm>
+            <a:prstGeom prst="line">
+              <a:avLst/>
+            </a:prstGeom>
+          </p:spPr>
+          <p:style>
+            <a:lnRef idx="1">
+              <a:schemeClr val="dk1"/>
+            </a:lnRef>
+            <a:fillRef idx="0">
+              <a:schemeClr val="dk1"/>
+            </a:fillRef>
+            <a:effectRef idx="0">
+              <a:schemeClr val="dk1"/>
+            </a:effectRef>
+            <a:fontRef idx="minor">
+              <a:schemeClr val="tx1"/>
+            </a:fontRef>
+          </p:style>
+        </p:cxnSp>
+        <p:cxnSp>
+          <p:nvCxnSpPr>
+            <p:cNvPr id="59" name="直接连接符 58"/>
+            <p:cNvCxnSpPr>
+              <a:stCxn id="13" idx="3"/>
+              <a:endCxn id="57" idx="0"/>
+            </p:cNvCxnSpPr>
+            <p:nvPr/>
+          </p:nvCxnSpPr>
+          <p:spPr>
+            <a:xfrm flipH="1">
+              <a:off x="17062" y="2962"/>
+              <a:ext cx="1080" cy="866"/>
+            </a:xfrm>
+            <a:prstGeom prst="line">
+              <a:avLst/>
+            </a:prstGeom>
+          </p:spPr>
+          <p:style>
+            <a:lnRef idx="1">
+              <a:schemeClr val="dk1"/>
+            </a:lnRef>
+            <a:fillRef idx="0">
+              <a:schemeClr val="dk1"/>
+            </a:fillRef>
+            <a:effectRef idx="0">
+              <a:schemeClr val="dk1"/>
+            </a:effectRef>
+            <a:fontRef idx="minor">
+              <a:schemeClr val="tx1"/>
+            </a:fontRef>
+          </p:style>
+        </p:cxnSp>
+        <p:sp>
+          <p:nvSpPr>
+            <p:cNvPr id="60" name="椭圆 59"/>
+            <p:cNvSpPr/>
+            <p:nvPr/>
+          </p:nvSpPr>
+          <p:spPr>
+            <a:xfrm>
+              <a:off x="17531" y="3828"/>
+              <a:ext cx="658" cy="658"/>
+            </a:xfrm>
+            <a:prstGeom prst="ellipse">
+              <a:avLst/>
+            </a:prstGeom>
+            <a:solidFill>
+              <a:schemeClr val="accent1">
+                <a:lumMod val="20000"/>
+                <a:lumOff val="80000"/>
+              </a:schemeClr>
+            </a:solidFill>
+          </p:spPr>
+          <p:style>
+            <a:lnRef idx="2">
+              <a:schemeClr val="accent1">
+                <a:shade val="50000"/>
+              </a:schemeClr>
+            </a:lnRef>
+            <a:fillRef idx="1">
+              <a:schemeClr val="accent1"/>
+            </a:fillRef>
+            <a:effectRef idx="0">
+              <a:schemeClr val="accent1"/>
+            </a:effectRef>
+            <a:fontRef idx="minor">
+              <a:schemeClr val="lt1"/>
+            </a:fontRef>
+          </p:style>
+          <p:txBody>
+            <a:bodyPr rtlCol="0" anchor="ctr"/>
+            <a:p>
+              <a:pPr algn="ctr"/>
+              <a:r>
+                <a:rPr lang="en-US" altLang="zh-CN" sz="2600" b="1">
+                  <a:solidFill>
+                    <a:schemeClr val="tx1"/>
+                  </a:solidFill>
+                  <a:effectLst>
+                    <a:outerShdw blurRad="38100" dist="38100" dir="2700000" algn="tl">
+                      <a:srgbClr val="000000">
+                        <a:alpha val="43137"/>
+                      </a:srgbClr>
+                    </a:outerShdw>
+                  </a:effectLst>
+                </a:rPr>
+                <a:t>B</a:t>
+              </a:r>
+              <a:endParaRPr lang="en-US" altLang="zh-CN" sz="2600" b="1">
+                <a:solidFill>
+                  <a:schemeClr val="tx1"/>
+                </a:solidFill>
+                <a:effectLst>
+                  <a:outerShdw blurRad="38100" dist="38100" dir="2700000" algn="tl">
+                    <a:srgbClr val="000000">
+                      <a:alpha val="43137"/>
+                    </a:srgbClr>
+                  </a:outerShdw>
+                </a:effectLst>
+              </a:endParaRPr>
+            </a:p>
+          </p:txBody>
+        </p:sp>
+        <p:cxnSp>
+          <p:nvCxnSpPr>
+            <p:cNvPr id="61" name="直接连接符 60"/>
+            <p:cNvCxnSpPr>
+              <a:stCxn id="13" idx="4"/>
+              <a:endCxn id="60" idx="0"/>
+            </p:cNvCxnSpPr>
+            <p:nvPr/>
+          </p:nvCxnSpPr>
+          <p:spPr>
+            <a:xfrm flipH="1">
+              <a:off x="17860" y="3058"/>
+              <a:ext cx="515" cy="770"/>
+            </a:xfrm>
+            <a:prstGeom prst="line">
+              <a:avLst/>
+            </a:prstGeom>
+          </p:spPr>
+          <p:style>
+            <a:lnRef idx="1">
+              <a:schemeClr val="dk1"/>
+            </a:lnRef>
+            <a:fillRef idx="0">
+              <a:schemeClr val="dk1"/>
+            </a:fillRef>
+            <a:effectRef idx="0">
+              <a:schemeClr val="dk1"/>
+            </a:effectRef>
+            <a:fontRef idx="minor">
+              <a:schemeClr val="tx1"/>
+            </a:fontRef>
+          </p:style>
+        </p:cxnSp>
+        <p:sp>
+          <p:nvSpPr>
+            <p:cNvPr id="62" name="椭圆 61"/>
+            <p:cNvSpPr/>
+            <p:nvPr/>
+          </p:nvSpPr>
+          <p:spPr>
+            <a:xfrm>
+              <a:off x="1864" y="6088"/>
+              <a:ext cx="658" cy="658"/>
+            </a:xfrm>
+            <a:prstGeom prst="ellipse">
+              <a:avLst/>
+            </a:prstGeom>
+            <a:solidFill>
+              <a:schemeClr val="accent1">
+                <a:lumMod val="20000"/>
+                <a:lumOff val="80000"/>
+              </a:schemeClr>
+            </a:solidFill>
+          </p:spPr>
+          <p:style>
+            <a:lnRef idx="2">
+              <a:schemeClr val="accent1">
+                <a:shade val="50000"/>
+              </a:schemeClr>
+            </a:lnRef>
+            <a:fillRef idx="1">
+              <a:schemeClr val="accent1"/>
+            </a:fillRef>
+            <a:effectRef idx="0">
+              <a:schemeClr val="accent1"/>
+            </a:effectRef>
+            <a:fontRef idx="minor">
+              <a:schemeClr val="lt1"/>
+            </a:fontRef>
+          </p:style>
+          <p:txBody>
+            <a:bodyPr rtlCol="0" anchor="ctr"/>
+            <a:p>
+              <a:pPr algn="ctr"/>
+              <a:r>
+                <a:rPr lang="en-US" altLang="zh-CN" sz="2600" b="1">
+                  <a:solidFill>
+                    <a:schemeClr val="tx1"/>
+                  </a:solidFill>
+                  <a:effectLst>
+                    <a:outerShdw blurRad="38100" dist="38100" dir="2700000" algn="tl">
+                      <a:srgbClr val="000000">
+                        <a:alpha val="43137"/>
+                      </a:srgbClr>
+                    </a:outerShdw>
+                  </a:effectLst>
+                </a:rPr>
+                <a:t>D</a:t>
+              </a:r>
+              <a:endParaRPr lang="en-US" altLang="zh-CN" sz="2600" b="1">
+                <a:solidFill>
+                  <a:schemeClr val="tx1"/>
+                </a:solidFill>
+                <a:effectLst>
+                  <a:outerShdw blurRad="38100" dist="38100" dir="2700000" algn="tl">
+                    <a:srgbClr val="000000">
+                      <a:alpha val="43137"/>
+                    </a:srgbClr>
+                  </a:outerShdw>
+                </a:effectLst>
+              </a:endParaRPr>
+            </a:p>
+          </p:txBody>
+        </p:sp>
+        <p:sp>
+          <p:nvSpPr>
+            <p:cNvPr id="63" name="椭圆 62"/>
+            <p:cNvSpPr/>
+            <p:nvPr/>
+          </p:nvSpPr>
+          <p:spPr>
+            <a:xfrm>
+              <a:off x="42" y="6088"/>
+              <a:ext cx="658" cy="658"/>
+            </a:xfrm>
+            <a:prstGeom prst="ellipse">
+              <a:avLst/>
+            </a:prstGeom>
+            <a:solidFill>
+              <a:schemeClr val="accent1">
+                <a:lumMod val="20000"/>
+                <a:lumOff val="80000"/>
+              </a:schemeClr>
+            </a:solidFill>
+          </p:spPr>
+          <p:style>
+            <a:lnRef idx="2">
+              <a:schemeClr val="accent1">
+                <a:shade val="50000"/>
+              </a:schemeClr>
+            </a:lnRef>
+            <a:fillRef idx="1">
+              <a:schemeClr val="accent1"/>
+            </a:fillRef>
+            <a:effectRef idx="0">
+              <a:schemeClr val="accent1"/>
+            </a:effectRef>
+            <a:fontRef idx="minor">
+              <a:schemeClr val="lt1"/>
+            </a:fontRef>
+          </p:style>
+          <p:txBody>
+            <a:bodyPr rtlCol="0" anchor="ctr"/>
+            <a:p>
+              <a:pPr algn="ctr"/>
+              <a:r>
+                <a:rPr lang="en-US" altLang="zh-CN" sz="2600" b="1">
+                  <a:solidFill>
+                    <a:schemeClr val="tx1"/>
+                  </a:solidFill>
+                  <a:effectLst>
+                    <a:outerShdw blurRad="38100" dist="38100" dir="2700000" algn="tl">
+                      <a:srgbClr val="000000">
+                        <a:alpha val="43137"/>
+                      </a:srgbClr>
+                    </a:outerShdw>
+                  </a:effectLst>
+                </a:rPr>
+                <a:t>S</a:t>
+              </a:r>
+              <a:endParaRPr lang="en-US" altLang="zh-CN" sz="2600" b="1">
+                <a:solidFill>
+                  <a:schemeClr val="tx1"/>
+                </a:solidFill>
+                <a:effectLst>
+                  <a:outerShdw blurRad="38100" dist="38100" dir="2700000" algn="tl">
+                    <a:srgbClr val="000000">
+                      <a:alpha val="43137"/>
+                    </a:srgbClr>
+                  </a:outerShdw>
+                </a:effectLst>
+              </a:endParaRPr>
+            </a:p>
+          </p:txBody>
+        </p:sp>
+        <p:cxnSp>
+          <p:nvCxnSpPr>
+            <p:cNvPr id="64" name="直接连接符 63"/>
+            <p:cNvCxnSpPr>
+              <a:stCxn id="7" idx="5"/>
+              <a:endCxn id="62" idx="1"/>
+            </p:cNvCxnSpPr>
+            <p:nvPr/>
+          </p:nvCxnSpPr>
+          <p:spPr>
+            <a:xfrm>
+              <a:off x="933" y="4390"/>
+              <a:ext cx="1027" cy="1794"/>
+            </a:xfrm>
+            <a:prstGeom prst="line">
+              <a:avLst/>
+            </a:prstGeom>
+          </p:spPr>
+          <p:style>
+            <a:lnRef idx="1">
+              <a:schemeClr val="dk1"/>
+            </a:lnRef>
+            <a:fillRef idx="0">
+              <a:schemeClr val="dk1"/>
+            </a:fillRef>
+            <a:effectRef idx="0">
+              <a:schemeClr val="dk1"/>
+            </a:effectRef>
+            <a:fontRef idx="minor">
+              <a:schemeClr val="tx1"/>
+            </a:fontRef>
+          </p:style>
+        </p:cxnSp>
+        <p:cxnSp>
+          <p:nvCxnSpPr>
+            <p:cNvPr id="65" name="直接连接符 64"/>
+            <p:cNvCxnSpPr>
+              <a:stCxn id="7" idx="3"/>
+              <a:endCxn id="63" idx="0"/>
+            </p:cNvCxnSpPr>
+            <p:nvPr/>
+          </p:nvCxnSpPr>
+          <p:spPr>
+            <a:xfrm flipH="1">
+              <a:off x="371" y="4390"/>
+              <a:ext cx="96" cy="1698"/>
+            </a:xfrm>
+            <a:prstGeom prst="line">
+              <a:avLst/>
+            </a:prstGeom>
+          </p:spPr>
+          <p:style>
+            <a:lnRef idx="1">
+              <a:schemeClr val="dk1"/>
+            </a:lnRef>
+            <a:fillRef idx="0">
+              <a:schemeClr val="dk1"/>
+            </a:fillRef>
+            <a:effectRef idx="0">
+              <a:schemeClr val="dk1"/>
+            </a:effectRef>
+            <a:fontRef idx="minor">
+              <a:schemeClr val="tx1"/>
+            </a:fontRef>
+          </p:style>
+        </p:cxnSp>
+        <p:sp>
+          <p:nvSpPr>
+            <p:cNvPr id="66" name="椭圆 65"/>
+            <p:cNvSpPr/>
+            <p:nvPr/>
+          </p:nvSpPr>
+          <p:spPr>
+            <a:xfrm>
+              <a:off x="933" y="6105"/>
+              <a:ext cx="658" cy="658"/>
+            </a:xfrm>
+            <a:prstGeom prst="ellipse">
+              <a:avLst/>
+            </a:prstGeom>
+            <a:solidFill>
+              <a:schemeClr val="accent1">
+                <a:lumMod val="20000"/>
+                <a:lumOff val="80000"/>
+              </a:schemeClr>
+            </a:solidFill>
+          </p:spPr>
+          <p:style>
+            <a:lnRef idx="2">
+              <a:schemeClr val="accent1">
+                <a:shade val="50000"/>
+              </a:schemeClr>
+            </a:lnRef>
+            <a:fillRef idx="1">
+              <a:schemeClr val="accent1"/>
+            </a:fillRef>
+            <a:effectRef idx="0">
+              <a:schemeClr val="accent1"/>
+            </a:effectRef>
+            <a:fontRef idx="minor">
+              <a:schemeClr val="lt1"/>
+            </a:fontRef>
+          </p:style>
+          <p:txBody>
+            <a:bodyPr rtlCol="0" anchor="ctr"/>
+            <a:p>
+              <a:pPr algn="ctr"/>
+              <a:r>
+                <a:rPr lang="en-US" altLang="zh-CN" sz="2600" b="1">
+                  <a:solidFill>
+                    <a:schemeClr val="tx1"/>
+                  </a:solidFill>
+                  <a:effectLst>
+                    <a:outerShdw blurRad="38100" dist="38100" dir="2700000" algn="tl">
+                      <a:srgbClr val="000000">
+                        <a:alpha val="43137"/>
+                      </a:srgbClr>
+                    </a:outerShdw>
+                  </a:effectLst>
+                </a:rPr>
+                <a:t>B</a:t>
+              </a:r>
+              <a:endParaRPr lang="en-US" altLang="zh-CN" sz="2600" b="1">
+                <a:solidFill>
+                  <a:schemeClr val="tx1"/>
+                </a:solidFill>
+                <a:effectLst>
+                  <a:outerShdw blurRad="38100" dist="38100" dir="2700000" algn="tl">
+                    <a:srgbClr val="000000">
+                      <a:alpha val="43137"/>
+                    </a:srgbClr>
+                  </a:outerShdw>
+                </a:effectLst>
+              </a:endParaRPr>
+            </a:p>
+          </p:txBody>
+        </p:sp>
+        <p:cxnSp>
+          <p:nvCxnSpPr>
+            <p:cNvPr id="67" name="直接连接符 66"/>
+            <p:cNvCxnSpPr>
+              <a:stCxn id="7" idx="4"/>
+              <a:endCxn id="66" idx="0"/>
+            </p:cNvCxnSpPr>
+            <p:nvPr/>
+          </p:nvCxnSpPr>
+          <p:spPr>
+            <a:xfrm>
+              <a:off x="700" y="4486"/>
+              <a:ext cx="562" cy="1619"/>
+            </a:xfrm>
+            <a:prstGeom prst="line">
+              <a:avLst/>
+            </a:prstGeom>
+          </p:spPr>
+          <p:style>
+            <a:lnRef idx="1">
+              <a:schemeClr val="dk1"/>
+            </a:lnRef>
+            <a:fillRef idx="0">
+              <a:schemeClr val="dk1"/>
+            </a:fillRef>
+            <a:effectRef idx="0">
+              <a:schemeClr val="dk1"/>
+            </a:effectRef>
+            <a:fontRef idx="minor">
+              <a:schemeClr val="tx1"/>
+            </a:fontRef>
+          </p:style>
+        </p:cxnSp>
+        <p:sp>
+          <p:nvSpPr>
+            <p:cNvPr id="68" name="椭圆 67"/>
+            <p:cNvSpPr/>
+            <p:nvPr/>
+          </p:nvSpPr>
+          <p:spPr>
+            <a:xfrm>
+              <a:off x="7268" y="6105"/>
+              <a:ext cx="658" cy="658"/>
+            </a:xfrm>
+            <a:prstGeom prst="ellipse">
+              <a:avLst/>
+            </a:prstGeom>
+            <a:solidFill>
+              <a:schemeClr val="accent1">
+                <a:lumMod val="20000"/>
+                <a:lumOff val="80000"/>
+              </a:schemeClr>
+            </a:solidFill>
+          </p:spPr>
+          <p:style>
+            <a:lnRef idx="2">
+              <a:schemeClr val="accent1">
+                <a:shade val="50000"/>
+              </a:schemeClr>
+            </a:lnRef>
+            <a:fillRef idx="1">
+              <a:schemeClr val="accent1"/>
+            </a:fillRef>
+            <a:effectRef idx="0">
+              <a:schemeClr val="accent1"/>
+            </a:effectRef>
+            <a:fontRef idx="minor">
+              <a:schemeClr val="lt1"/>
+            </a:fontRef>
+          </p:style>
+          <p:txBody>
+            <a:bodyPr rtlCol="0" anchor="ctr"/>
+            <a:p>
+              <a:pPr algn="ctr"/>
+              <a:r>
+                <a:rPr lang="en-US" altLang="zh-CN" sz="2600" b="1">
+                  <a:solidFill>
+                    <a:schemeClr val="tx1"/>
+                  </a:solidFill>
+                  <a:effectLst>
+                    <a:outerShdw blurRad="38100" dist="38100" dir="2700000" algn="tl">
+                      <a:srgbClr val="000000">
+                        <a:alpha val="43137"/>
+                      </a:srgbClr>
+                    </a:outerShdw>
+                  </a:effectLst>
+                </a:rPr>
+                <a:t>D</a:t>
+              </a:r>
+              <a:endParaRPr lang="en-US" altLang="zh-CN" sz="2600" b="1">
+                <a:solidFill>
+                  <a:schemeClr val="tx1"/>
+                </a:solidFill>
+                <a:effectLst>
+                  <a:outerShdw blurRad="38100" dist="38100" dir="2700000" algn="tl">
+                    <a:srgbClr val="000000">
+                      <a:alpha val="43137"/>
+                    </a:srgbClr>
+                  </a:outerShdw>
+                </a:effectLst>
+              </a:endParaRPr>
+            </a:p>
+          </p:txBody>
+        </p:sp>
+        <p:sp>
+          <p:nvSpPr>
+            <p:cNvPr id="69" name="椭圆 68"/>
+            <p:cNvSpPr/>
+            <p:nvPr/>
+          </p:nvSpPr>
+          <p:spPr>
+            <a:xfrm>
+              <a:off x="5578" y="6088"/>
+              <a:ext cx="658" cy="658"/>
+            </a:xfrm>
+            <a:prstGeom prst="ellipse">
+              <a:avLst/>
+            </a:prstGeom>
+            <a:solidFill>
+              <a:schemeClr val="accent1">
+                <a:lumMod val="20000"/>
+                <a:lumOff val="80000"/>
+              </a:schemeClr>
+            </a:solidFill>
+          </p:spPr>
+          <p:style>
+            <a:lnRef idx="2">
+              <a:schemeClr val="accent1">
+                <a:shade val="50000"/>
+              </a:schemeClr>
+            </a:lnRef>
+            <a:fillRef idx="1">
+              <a:schemeClr val="accent1"/>
+            </a:fillRef>
+            <a:effectRef idx="0">
+              <a:schemeClr val="accent1"/>
+            </a:effectRef>
+            <a:fontRef idx="minor">
+              <a:schemeClr val="lt1"/>
+            </a:fontRef>
+          </p:style>
+          <p:txBody>
+            <a:bodyPr rtlCol="0" anchor="ctr"/>
+            <a:p>
+              <a:pPr algn="ctr"/>
+              <a:r>
+                <a:rPr lang="en-US" altLang="zh-CN" sz="2600" b="1">
+                  <a:solidFill>
+                    <a:schemeClr val="tx1"/>
+                  </a:solidFill>
+                  <a:effectLst>
+                    <a:outerShdw blurRad="38100" dist="38100" dir="2700000" algn="tl">
+                      <a:srgbClr val="000000">
+                        <a:alpha val="43137"/>
+                      </a:srgbClr>
+                    </a:outerShdw>
+                  </a:effectLst>
+                </a:rPr>
+                <a:t>S</a:t>
+              </a:r>
+              <a:endParaRPr lang="en-US" altLang="zh-CN" sz="2600" b="1">
+                <a:solidFill>
+                  <a:schemeClr val="tx1"/>
+                </a:solidFill>
+                <a:effectLst>
+                  <a:outerShdw blurRad="38100" dist="38100" dir="2700000" algn="tl">
+                    <a:srgbClr val="000000">
+                      <a:alpha val="43137"/>
+                    </a:srgbClr>
+                  </a:outerShdw>
+                </a:effectLst>
+              </a:endParaRPr>
+            </a:p>
+          </p:txBody>
+        </p:sp>
+        <p:cxnSp>
+          <p:nvCxnSpPr>
+            <p:cNvPr id="70" name="直接连接符 69"/>
+            <p:cNvCxnSpPr>
+              <a:stCxn id="16" idx="5"/>
+              <a:endCxn id="68" idx="1"/>
+            </p:cNvCxnSpPr>
+            <p:nvPr/>
+          </p:nvCxnSpPr>
+          <p:spPr>
+            <a:xfrm>
+              <a:off x="5102" y="4390"/>
+              <a:ext cx="2262" cy="1811"/>
+            </a:xfrm>
+            <a:prstGeom prst="line">
+              <a:avLst/>
+            </a:prstGeom>
+          </p:spPr>
+          <p:style>
+            <a:lnRef idx="1">
+              <a:schemeClr val="dk1"/>
+            </a:lnRef>
+            <a:fillRef idx="0">
+              <a:schemeClr val="dk1"/>
+            </a:fillRef>
+            <a:effectRef idx="0">
+              <a:schemeClr val="dk1"/>
+            </a:effectRef>
+            <a:fontRef idx="minor">
+              <a:schemeClr val="tx1"/>
+            </a:fontRef>
+          </p:style>
+        </p:cxnSp>
+        <p:cxnSp>
+          <p:nvCxnSpPr>
+            <p:cNvPr id="71" name="直接连接符 70"/>
+            <p:cNvCxnSpPr>
+              <a:stCxn id="16" idx="3"/>
+              <a:endCxn id="69" idx="0"/>
+            </p:cNvCxnSpPr>
+            <p:nvPr/>
+          </p:nvCxnSpPr>
+          <p:spPr>
+            <a:xfrm>
+              <a:off x="4636" y="4390"/>
+              <a:ext cx="1271" cy="1698"/>
+            </a:xfrm>
+            <a:prstGeom prst="line">
+              <a:avLst/>
+            </a:prstGeom>
+          </p:spPr>
+          <p:style>
+            <a:lnRef idx="1">
+              <a:schemeClr val="dk1"/>
+            </a:lnRef>
+            <a:fillRef idx="0">
+              <a:schemeClr val="dk1"/>
+            </a:fillRef>
+            <a:effectRef idx="0">
+              <a:schemeClr val="dk1"/>
+            </a:effectRef>
+            <a:fontRef idx="minor">
+              <a:schemeClr val="tx1"/>
+            </a:fontRef>
+          </p:style>
+        </p:cxnSp>
+        <p:sp>
+          <p:nvSpPr>
+            <p:cNvPr id="72" name="椭圆 71"/>
+            <p:cNvSpPr/>
+            <p:nvPr/>
+          </p:nvSpPr>
+          <p:spPr>
+            <a:xfrm>
+              <a:off x="6430" y="6105"/>
+              <a:ext cx="658" cy="658"/>
+            </a:xfrm>
+            <a:prstGeom prst="ellipse">
+              <a:avLst/>
+            </a:prstGeom>
+            <a:solidFill>
+              <a:schemeClr val="accent1">
+                <a:lumMod val="20000"/>
+                <a:lumOff val="80000"/>
+              </a:schemeClr>
+            </a:solidFill>
+          </p:spPr>
+          <p:style>
+            <a:lnRef idx="2">
+              <a:schemeClr val="accent1">
+                <a:shade val="50000"/>
+              </a:schemeClr>
+            </a:lnRef>
+            <a:fillRef idx="1">
+              <a:schemeClr val="accent1"/>
+            </a:fillRef>
+            <a:effectRef idx="0">
+              <a:schemeClr val="accent1"/>
+            </a:effectRef>
+            <a:fontRef idx="minor">
+              <a:schemeClr val="lt1"/>
+            </a:fontRef>
+          </p:style>
+          <p:txBody>
+            <a:bodyPr rtlCol="0" anchor="ctr"/>
+            <a:p>
+              <a:pPr algn="ctr"/>
+              <a:r>
+                <a:rPr lang="en-US" altLang="zh-CN" sz="2600" b="1">
+                  <a:solidFill>
+                    <a:schemeClr val="tx1"/>
+                  </a:solidFill>
+                  <a:effectLst>
+                    <a:outerShdw blurRad="38100" dist="38100" dir="2700000" algn="tl">
+                      <a:srgbClr val="000000">
+                        <a:alpha val="43137"/>
+                      </a:srgbClr>
+                    </a:outerShdw>
+                  </a:effectLst>
+                </a:rPr>
+                <a:t>B</a:t>
+              </a:r>
+              <a:endParaRPr lang="en-US" altLang="zh-CN" sz="2600" b="1">
+                <a:solidFill>
+                  <a:schemeClr val="tx1"/>
+                </a:solidFill>
+                <a:effectLst>
+                  <a:outerShdw blurRad="38100" dist="38100" dir="2700000" algn="tl">
+                    <a:srgbClr val="000000">
+                      <a:alpha val="43137"/>
+                    </a:srgbClr>
+                  </a:outerShdw>
+                </a:effectLst>
+              </a:endParaRPr>
+            </a:p>
+          </p:txBody>
+        </p:sp>
+        <p:cxnSp>
+          <p:nvCxnSpPr>
+            <p:cNvPr id="73" name="直接连接符 72"/>
+            <p:cNvCxnSpPr>
+              <a:stCxn id="16" idx="4"/>
+              <a:endCxn id="72" idx="0"/>
+            </p:cNvCxnSpPr>
+            <p:nvPr/>
+          </p:nvCxnSpPr>
+          <p:spPr>
+            <a:xfrm>
+              <a:off x="4869" y="4486"/>
+              <a:ext cx="1890" cy="1619"/>
+            </a:xfrm>
+            <a:prstGeom prst="line">
+              <a:avLst/>
+            </a:prstGeom>
+          </p:spPr>
+          <p:style>
+            <a:lnRef idx="1">
+              <a:schemeClr val="dk1"/>
+            </a:lnRef>
+            <a:fillRef idx="0">
+              <a:schemeClr val="dk1"/>
+            </a:fillRef>
+            <a:effectRef idx="0">
+              <a:schemeClr val="dk1"/>
+            </a:effectRef>
+            <a:fontRef idx="minor">
+              <a:schemeClr val="tx1"/>
+            </a:fontRef>
+          </p:style>
+        </p:cxnSp>
+        <p:sp>
+          <p:nvSpPr>
+            <p:cNvPr id="74" name="椭圆 73"/>
+            <p:cNvSpPr/>
+            <p:nvPr/>
+          </p:nvSpPr>
+          <p:spPr>
+            <a:xfrm>
+              <a:off x="2983" y="6088"/>
+              <a:ext cx="658" cy="658"/>
+            </a:xfrm>
+            <a:prstGeom prst="ellipse">
+              <a:avLst/>
+            </a:prstGeom>
+            <a:solidFill>
+              <a:schemeClr val="accent1">
+                <a:lumMod val="20000"/>
+                <a:lumOff val="80000"/>
+              </a:schemeClr>
+            </a:solidFill>
+          </p:spPr>
+          <p:style>
+            <a:lnRef idx="2">
+              <a:schemeClr val="accent1">
+                <a:shade val="50000"/>
+              </a:schemeClr>
+            </a:lnRef>
+            <a:fillRef idx="1">
+              <a:schemeClr val="accent1"/>
+            </a:fillRef>
+            <a:effectRef idx="0">
+              <a:schemeClr val="accent1"/>
+            </a:effectRef>
+            <a:fontRef idx="minor">
+              <a:schemeClr val="lt1"/>
+            </a:fontRef>
+          </p:style>
+          <p:txBody>
+            <a:bodyPr rtlCol="0" anchor="ctr"/>
+            <a:p>
+              <a:pPr algn="ctr"/>
+              <a:r>
+                <a:rPr lang="en-US" altLang="zh-CN" sz="2600" b="1">
+                  <a:solidFill>
+                    <a:schemeClr val="tx1"/>
+                  </a:solidFill>
+                  <a:effectLst>
+                    <a:outerShdw blurRad="38100" dist="38100" dir="2700000" algn="tl">
+                      <a:srgbClr val="000000">
+                        <a:alpha val="43137"/>
+                      </a:srgbClr>
+                    </a:outerShdw>
+                  </a:effectLst>
+                </a:rPr>
+                <a:t>E</a:t>
+              </a:r>
+              <a:endParaRPr lang="en-US" altLang="zh-CN" sz="2600" b="1">
+                <a:solidFill>
+                  <a:schemeClr val="tx1"/>
+                </a:solidFill>
+                <a:effectLst>
+                  <a:outerShdw blurRad="38100" dist="38100" dir="2700000" algn="tl">
+                    <a:srgbClr val="000000">
+                      <a:alpha val="43137"/>
+                    </a:srgbClr>
+                  </a:outerShdw>
+                </a:effectLst>
+              </a:endParaRPr>
+            </a:p>
+          </p:txBody>
+        </p:sp>
+        <p:sp>
+          <p:nvSpPr>
+            <p:cNvPr id="75" name="椭圆 74"/>
+            <p:cNvSpPr/>
+            <p:nvPr/>
+          </p:nvSpPr>
+          <p:spPr>
+            <a:xfrm>
+              <a:off x="4540" y="6105"/>
+              <a:ext cx="658" cy="658"/>
+            </a:xfrm>
+            <a:prstGeom prst="ellipse">
+              <a:avLst/>
+            </a:prstGeom>
+            <a:solidFill>
+              <a:schemeClr val="accent1">
+                <a:lumMod val="20000"/>
+                <a:lumOff val="80000"/>
+              </a:schemeClr>
+            </a:solidFill>
+          </p:spPr>
+          <p:style>
+            <a:lnRef idx="2">
+              <a:schemeClr val="accent1">
+                <a:shade val="50000"/>
+              </a:schemeClr>
+            </a:lnRef>
+            <a:fillRef idx="1">
+              <a:schemeClr val="accent1"/>
+            </a:fillRef>
+            <a:effectRef idx="0">
+              <a:schemeClr val="accent1"/>
+            </a:effectRef>
+            <a:fontRef idx="minor">
+              <a:schemeClr val="lt1"/>
+            </a:fontRef>
+          </p:style>
+          <p:txBody>
+            <a:bodyPr rtlCol="0" anchor="ctr"/>
+            <a:p>
+              <a:pPr algn="ctr"/>
+              <a:r>
+                <a:rPr lang="en-US" altLang="zh-CN" sz="2600" b="1">
+                  <a:solidFill>
+                    <a:schemeClr val="tx1"/>
+                  </a:solidFill>
+                  <a:effectLst>
+                    <a:outerShdw blurRad="38100" dist="38100" dir="2700000" algn="tl">
+                      <a:srgbClr val="000000">
+                        <a:alpha val="43137"/>
+                      </a:srgbClr>
+                    </a:outerShdw>
+                  </a:effectLst>
+                </a:rPr>
+                <a:t>A</a:t>
+              </a:r>
+              <a:endParaRPr lang="en-US" altLang="zh-CN" sz="2600" b="1">
+                <a:solidFill>
+                  <a:schemeClr val="tx1"/>
+                </a:solidFill>
+                <a:effectLst>
+                  <a:outerShdw blurRad="38100" dist="38100" dir="2700000" algn="tl">
+                    <a:srgbClr val="000000">
+                      <a:alpha val="43137"/>
+                    </a:srgbClr>
+                  </a:outerShdw>
+                </a:effectLst>
+              </a:endParaRPr>
+            </a:p>
+          </p:txBody>
+        </p:sp>
+        <p:cxnSp>
+          <p:nvCxnSpPr>
+            <p:cNvPr id="76" name="直接连接符 75"/>
+            <p:cNvCxnSpPr>
+              <a:stCxn id="15" idx="3"/>
+              <a:endCxn id="74" idx="0"/>
+            </p:cNvCxnSpPr>
+            <p:nvPr/>
+          </p:nvCxnSpPr>
+          <p:spPr>
+            <a:xfrm flipH="1">
+              <a:off x="3312" y="4390"/>
+              <a:ext cx="96" cy="1698"/>
+            </a:xfrm>
+            <a:prstGeom prst="line">
+              <a:avLst/>
+            </a:prstGeom>
+          </p:spPr>
+          <p:style>
+            <a:lnRef idx="1">
+              <a:schemeClr val="dk1"/>
+            </a:lnRef>
+            <a:fillRef idx="0">
+              <a:schemeClr val="dk1"/>
+            </a:fillRef>
+            <a:effectRef idx="0">
+              <a:schemeClr val="dk1"/>
+            </a:effectRef>
+            <a:fontRef idx="minor">
+              <a:schemeClr val="tx1"/>
+            </a:fontRef>
+          </p:style>
+        </p:cxnSp>
+        <p:cxnSp>
+          <p:nvCxnSpPr>
+            <p:cNvPr id="77" name="直接连接符 76"/>
+            <p:cNvCxnSpPr>
+              <a:stCxn id="15" idx="5"/>
+              <a:endCxn id="75" idx="0"/>
+            </p:cNvCxnSpPr>
+            <p:nvPr/>
+          </p:nvCxnSpPr>
+          <p:spPr>
+            <a:xfrm>
+              <a:off x="3874" y="4390"/>
+              <a:ext cx="995" cy="1715"/>
+            </a:xfrm>
+            <a:prstGeom prst="line">
+              <a:avLst/>
+            </a:prstGeom>
+          </p:spPr>
+          <p:style>
+            <a:lnRef idx="1">
+              <a:schemeClr val="dk1"/>
+            </a:lnRef>
+            <a:fillRef idx="0">
+              <a:schemeClr val="dk1"/>
+            </a:fillRef>
+            <a:effectRef idx="0">
+              <a:schemeClr val="dk1"/>
+            </a:effectRef>
+            <a:fontRef idx="minor">
+              <a:schemeClr val="tx1"/>
+            </a:fontRef>
+          </p:style>
+        </p:cxnSp>
+        <p:sp>
+          <p:nvSpPr>
+            <p:cNvPr id="78" name="椭圆 77"/>
+            <p:cNvSpPr/>
+            <p:nvPr/>
+          </p:nvSpPr>
+          <p:spPr>
+            <a:xfrm>
+              <a:off x="3743" y="6105"/>
+              <a:ext cx="658" cy="658"/>
+            </a:xfrm>
+            <a:prstGeom prst="ellipse">
+              <a:avLst/>
+            </a:prstGeom>
+            <a:solidFill>
+              <a:schemeClr val="accent1">
+                <a:lumMod val="20000"/>
+                <a:lumOff val="80000"/>
+              </a:schemeClr>
+            </a:solidFill>
+          </p:spPr>
+          <p:style>
+            <a:lnRef idx="2">
+              <a:schemeClr val="accent1">
+                <a:shade val="50000"/>
+              </a:schemeClr>
+            </a:lnRef>
+            <a:fillRef idx="1">
+              <a:schemeClr val="accent1"/>
+            </a:fillRef>
+            <a:effectRef idx="0">
+              <a:schemeClr val="accent1"/>
+            </a:effectRef>
+            <a:fontRef idx="minor">
+              <a:schemeClr val="lt1"/>
+            </a:fontRef>
+          </p:style>
+          <p:txBody>
+            <a:bodyPr rtlCol="0" anchor="ctr"/>
+            <a:p>
+              <a:pPr algn="ctr"/>
+              <a:r>
+                <a:rPr lang="en-US" altLang="zh-CN" sz="2600" b="1">
+                  <a:solidFill>
+                    <a:schemeClr val="tx1"/>
+                  </a:solidFill>
+                  <a:effectLst>
+                    <a:outerShdw blurRad="38100" dist="38100" dir="2700000" algn="tl">
+                      <a:srgbClr val="000000">
+                        <a:alpha val="43137"/>
+                      </a:srgbClr>
+                    </a:outerShdw>
+                  </a:effectLst>
+                </a:rPr>
+                <a:t>S</a:t>
+              </a:r>
+              <a:endParaRPr lang="en-US" altLang="zh-CN" sz="2600" b="1">
+                <a:solidFill>
+                  <a:schemeClr val="tx1"/>
+                </a:solidFill>
+                <a:effectLst>
+                  <a:outerShdw blurRad="38100" dist="38100" dir="2700000" algn="tl">
+                    <a:srgbClr val="000000">
+                      <a:alpha val="43137"/>
+                    </a:srgbClr>
+                  </a:outerShdw>
+                </a:effectLst>
+              </a:endParaRPr>
+            </a:p>
+          </p:txBody>
+        </p:sp>
+        <p:cxnSp>
+          <p:nvCxnSpPr>
+            <p:cNvPr id="79" name="直接连接符 78"/>
+            <p:cNvCxnSpPr>
+              <a:stCxn id="15" idx="4"/>
+              <a:endCxn id="78" idx="0"/>
+            </p:cNvCxnSpPr>
+            <p:nvPr/>
+          </p:nvCxnSpPr>
+          <p:spPr>
+            <a:xfrm>
+              <a:off x="3641" y="4486"/>
+              <a:ext cx="431" cy="1619"/>
+            </a:xfrm>
+            <a:prstGeom prst="line">
+              <a:avLst/>
+            </a:prstGeom>
+          </p:spPr>
+          <p:style>
+            <a:lnRef idx="1">
+              <a:schemeClr val="dk1"/>
+            </a:lnRef>
+            <a:fillRef idx="0">
+              <a:schemeClr val="dk1"/>
+            </a:fillRef>
+            <a:effectRef idx="0">
+              <a:schemeClr val="dk1"/>
+            </a:effectRef>
+            <a:fontRef idx="minor">
+              <a:schemeClr val="tx1"/>
+            </a:fontRef>
+          </p:style>
+        </p:cxnSp>
+        <p:sp>
+          <p:nvSpPr>
+            <p:cNvPr id="80" name="椭圆 79"/>
+            <p:cNvSpPr/>
+            <p:nvPr/>
+          </p:nvSpPr>
+          <p:spPr>
+            <a:xfrm>
+              <a:off x="8211" y="6105"/>
+              <a:ext cx="658" cy="658"/>
+            </a:xfrm>
+            <a:prstGeom prst="ellipse">
+              <a:avLst/>
+            </a:prstGeom>
+            <a:solidFill>
+              <a:schemeClr val="accent2">
+                <a:lumMod val="20000"/>
+                <a:lumOff val="80000"/>
+              </a:schemeClr>
+            </a:solidFill>
+          </p:spPr>
+          <p:style>
+            <a:lnRef idx="2">
+              <a:schemeClr val="accent1">
+                <a:shade val="50000"/>
+              </a:schemeClr>
+            </a:lnRef>
+            <a:fillRef idx="1">
+              <a:schemeClr val="accent1"/>
+            </a:fillRef>
+            <a:effectRef idx="0">
+              <a:schemeClr val="accent1"/>
+            </a:effectRef>
+            <a:fontRef idx="minor">
+              <a:schemeClr val="lt1"/>
+            </a:fontRef>
+          </p:style>
+          <p:txBody>
+            <a:bodyPr rtlCol="0" anchor="ctr"/>
+            <a:p>
+              <a:pPr algn="ctr"/>
+              <a:r>
+                <a:rPr lang="en-US" altLang="zh-CN" sz="2600" b="1">
+                  <a:solidFill>
+                    <a:schemeClr val="tx1"/>
+                  </a:solidFill>
+                  <a:effectLst>
+                    <a:outerShdw blurRad="38100" dist="38100" dir="2700000" algn="tl">
+                      <a:srgbClr val="000000">
+                        <a:alpha val="43137"/>
+                      </a:srgbClr>
+                    </a:outerShdw>
+                  </a:effectLst>
+                </a:rPr>
+                <a:t>G</a:t>
+              </a:r>
+              <a:endParaRPr lang="en-US" altLang="zh-CN" sz="2600" b="1">
+                <a:solidFill>
+                  <a:schemeClr val="tx1"/>
+                </a:solidFill>
+                <a:effectLst>
+                  <a:outerShdw blurRad="38100" dist="38100" dir="2700000" algn="tl">
+                    <a:srgbClr val="000000">
+                      <a:alpha val="43137"/>
+                    </a:srgbClr>
+                  </a:outerShdw>
+                </a:effectLst>
+              </a:endParaRPr>
+            </a:p>
+          </p:txBody>
+        </p:sp>
+        <p:cxnSp>
+          <p:nvCxnSpPr>
+            <p:cNvPr id="81" name="直接连接符 80"/>
+            <p:cNvCxnSpPr>
+              <a:stCxn id="35" idx="4"/>
+              <a:endCxn id="80" idx="0"/>
+            </p:cNvCxnSpPr>
+            <p:nvPr/>
+          </p:nvCxnSpPr>
+          <p:spPr>
+            <a:xfrm>
+              <a:off x="5893" y="4486"/>
+              <a:ext cx="2647" cy="1619"/>
+            </a:xfrm>
+            <a:prstGeom prst="line">
+              <a:avLst/>
+            </a:prstGeom>
+          </p:spPr>
+          <p:style>
+            <a:lnRef idx="1">
+              <a:schemeClr val="dk1"/>
+            </a:lnRef>
+            <a:fillRef idx="0">
+              <a:schemeClr val="dk1"/>
+            </a:fillRef>
+            <a:effectRef idx="0">
+              <a:schemeClr val="dk1"/>
+            </a:effectRef>
+            <a:fontRef idx="minor">
+              <a:schemeClr val="tx1"/>
+            </a:fontRef>
+          </p:style>
+        </p:cxnSp>
+      </p:grpSp>
+      <p:pic>
+        <p:nvPicPr>
+          <p:cNvPr id="2" name="图片 1"/>
+          <p:cNvPicPr>
+            <a:picLocks noChangeAspect="1"/>
+          </p:cNvPicPr>
+          <p:nvPr/>
+        </p:nvPicPr>
+        <p:blipFill>
+          <a:blip r:embed="rId1"/>
+          <a:stretch>
+            <a:fillRect/>
+          </a:stretch>
+        </p:blipFill>
+        <p:spPr>
+          <a:xfrm>
+            <a:off x="-254000" y="-63500"/>
+            <a:ext cx="12700635" cy="6985635"/>
+          </a:xfrm>
+          <a:prstGeom prst="rect">
+            <a:avLst/>
+          </a:prstGeom>
+        </p:spPr>
+      </p:pic>
+    </p:spTree>
+  </p:cSld>
+  <p:clrMapOvr>
+    <a:masterClrMapping/>
+  </p:clrMapOvr>
+</p:sld>
+</file>
+
+<file path=ppt/slides/slide6.xml><?xml version="1.0" encoding="utf-8"?>
+<p:sld xmlns:a="http://schemas.openxmlformats.org/drawingml/2006/main" xmlns:r="http://schemas.openxmlformats.org/officeDocument/2006/relationships" xmlns:p="http://schemas.openxmlformats.org/presentationml/2006/main">
+  <p:cSld>
+    <p:spTree>
+      <p:nvGrpSpPr>
+        <p:cNvPr id="1" name=""/>
+        <p:cNvGrpSpPr/>
+        <p:nvPr/>
+      </p:nvGrpSpPr>
+      <p:grpSpPr/>
+      <p:sp>
+        <p:nvSpPr>
+          <p:cNvPr id="4" name="椭圆 3"/>
+          <p:cNvSpPr/>
+          <p:nvPr/>
+        </p:nvSpPr>
+        <p:spPr>
+          <a:xfrm>
+            <a:off x="7185025" y="-17780"/>
+            <a:ext cx="914400" cy="914400"/>
+          </a:xfrm>
+          <a:prstGeom prst="ellipse">
+            <a:avLst/>
+          </a:prstGeom>
+          <a:solidFill>
+            <a:schemeClr val="accent1">
+              <a:lumMod val="20000"/>
+              <a:lumOff val="80000"/>
+            </a:schemeClr>
+          </a:solidFill>
+        </p:spPr>
+        <p:style>
+          <a:lnRef idx="2">
+            <a:schemeClr val="accent1">
+              <a:shade val="50000"/>
+            </a:schemeClr>
+          </a:lnRef>
+          <a:fillRef idx="1">
+            <a:schemeClr val="accent1"/>
+          </a:fillRef>
+          <a:effectRef idx="0">
+            <a:schemeClr val="accent1"/>
+          </a:effectRef>
+          <a:fontRef idx="minor">
+            <a:schemeClr val="lt1"/>
+          </a:fontRef>
+        </p:style>
+        <p:txBody>
+          <a:bodyPr rtlCol="0" anchor="ctr"/>
+          <a:p>
+            <a:pPr algn="ctr"/>
+            <a:r>
+              <a:rPr lang="en-US" altLang="zh-CN" sz="4600" b="1">
+                <a:solidFill>
+                  <a:schemeClr val="tx1"/>
+                </a:solidFill>
+                <a:effectLst>
+                  <a:outerShdw blurRad="38100" dist="38100" dir="2700000" algn="tl">
+                    <a:srgbClr val="000000">
+                      <a:alpha val="43137"/>
+                    </a:srgbClr>
+                  </a:outerShdw>
+                </a:effectLst>
+              </a:rPr>
+              <a:t>S</a:t>
+            </a:r>
+            <a:endParaRPr lang="en-US" altLang="zh-CN" sz="4600" b="1">
+              <a:solidFill>
+                <a:schemeClr val="tx1"/>
+              </a:solidFill>
+              <a:effectLst>
+                <a:outerShdw blurRad="38100" dist="38100" dir="2700000" algn="tl">
+                  <a:srgbClr val="000000">
+                    <a:alpha val="43137"/>
+                  </a:srgbClr>
+                </a:outerShdw>
+              </a:effectLst>
+            </a:endParaRPr>
+          </a:p>
+        </p:txBody>
+      </p:sp>
+      <p:sp>
+        <p:nvSpPr>
+          <p:cNvPr id="5" name="椭圆 4"/>
+          <p:cNvSpPr/>
+          <p:nvPr/>
+        </p:nvSpPr>
+        <p:spPr>
+          <a:xfrm>
+            <a:off x="4279265" y="762635"/>
+            <a:ext cx="914400" cy="914400"/>
+          </a:xfrm>
+          <a:prstGeom prst="ellipse">
+            <a:avLst/>
+          </a:prstGeom>
+          <a:solidFill>
+            <a:schemeClr val="accent1">
+              <a:lumMod val="20000"/>
+              <a:lumOff val="80000"/>
+            </a:schemeClr>
+          </a:solidFill>
+        </p:spPr>
+        <p:style>
+          <a:lnRef idx="2">
+            <a:schemeClr val="accent1">
+              <a:shade val="50000"/>
+            </a:schemeClr>
+          </a:lnRef>
+          <a:fillRef idx="1">
+            <a:schemeClr val="accent1"/>
+          </a:fillRef>
+          <a:effectRef idx="0">
+            <a:schemeClr val="accent1"/>
+          </a:effectRef>
+          <a:fontRef idx="minor">
+            <a:schemeClr val="lt1"/>
+          </a:fontRef>
+        </p:style>
+        <p:txBody>
+          <a:bodyPr rtlCol="0" anchor="ctr"/>
+          <a:p>
+            <a:pPr algn="ctr"/>
+            <a:r>
+              <a:rPr lang="en-US" altLang="zh-CN" sz="4600" b="1">
+                <a:solidFill>
+                  <a:schemeClr val="tx1"/>
+                </a:solidFill>
+                <a:effectLst>
+                  <a:outerShdw blurRad="38100" dist="38100" dir="2700000" algn="tl">
+                    <a:srgbClr val="000000">
+                      <a:alpha val="43137"/>
+                    </a:srgbClr>
+                  </a:outerShdw>
+                </a:effectLst>
+              </a:rPr>
+              <a:t>A</a:t>
+            </a:r>
+            <a:endParaRPr lang="en-US" altLang="zh-CN" sz="4600" b="1">
+              <a:solidFill>
+                <a:schemeClr val="tx1"/>
+              </a:solidFill>
+              <a:effectLst>
+                <a:outerShdw blurRad="38100" dist="38100" dir="2700000" algn="tl">
+                  <a:srgbClr val="000000">
+                    <a:alpha val="43137"/>
+                  </a:srgbClr>
+                </a:outerShdw>
+              </a:effectLst>
+            </a:endParaRPr>
+          </a:p>
+        </p:txBody>
+      </p:sp>
+      <p:sp>
+        <p:nvSpPr>
+          <p:cNvPr id="8" name="椭圆 7"/>
+          <p:cNvSpPr/>
+          <p:nvPr/>
+        </p:nvSpPr>
+        <p:spPr>
+          <a:xfrm>
+            <a:off x="3717925" y="3014980"/>
+            <a:ext cx="914400" cy="914400"/>
+          </a:xfrm>
+          <a:prstGeom prst="ellipse">
+            <a:avLst/>
+          </a:prstGeom>
+          <a:solidFill>
+            <a:schemeClr val="accent1">
+              <a:lumMod val="20000"/>
+              <a:lumOff val="80000"/>
+            </a:schemeClr>
+          </a:solidFill>
+        </p:spPr>
+        <p:style>
+          <a:lnRef idx="2">
+            <a:schemeClr val="accent1">
+              <a:shade val="50000"/>
+            </a:schemeClr>
+          </a:lnRef>
+          <a:fillRef idx="1">
+            <a:schemeClr val="accent1"/>
+          </a:fillRef>
+          <a:effectRef idx="0">
+            <a:schemeClr val="accent1"/>
+          </a:effectRef>
+          <a:fontRef idx="minor">
+            <a:schemeClr val="lt1"/>
+          </a:fontRef>
+        </p:style>
+        <p:txBody>
+          <a:bodyPr rtlCol="0" anchor="ctr"/>
+          <a:p>
+            <a:pPr algn="ctr"/>
+            <a:r>
+              <a:rPr lang="en-US" altLang="zh-CN" sz="4600" b="1">
+                <a:solidFill>
+                  <a:schemeClr val="tx1"/>
+                </a:solidFill>
+                <a:effectLst>
+                  <a:outerShdw blurRad="38100" dist="38100" dir="2700000" algn="tl">
+                    <a:srgbClr val="000000">
+                      <a:alpha val="43137"/>
+                    </a:srgbClr>
+                  </a:outerShdw>
+                </a:effectLst>
+              </a:rPr>
+              <a:t>A</a:t>
+            </a:r>
+            <a:endParaRPr lang="en-US" altLang="zh-CN" sz="4600" b="1">
+              <a:solidFill>
+                <a:schemeClr val="tx1"/>
+              </a:solidFill>
+              <a:effectLst>
+                <a:outerShdw blurRad="38100" dist="38100" dir="2700000" algn="tl">
+                  <a:srgbClr val="000000">
+                    <a:alpha val="43137"/>
+                  </a:srgbClr>
+                </a:outerShdw>
+              </a:effectLst>
+            </a:endParaRPr>
+          </a:p>
+        </p:txBody>
+      </p:sp>
+      <p:sp>
+        <p:nvSpPr>
+          <p:cNvPr id="9" name="椭圆 8"/>
+          <p:cNvSpPr/>
+          <p:nvPr/>
+        </p:nvSpPr>
+        <p:spPr>
+          <a:xfrm>
+            <a:off x="2348230" y="3014980"/>
+            <a:ext cx="914400" cy="914400"/>
+          </a:xfrm>
+          <a:prstGeom prst="ellipse">
+            <a:avLst/>
+          </a:prstGeom>
+          <a:solidFill>
+            <a:schemeClr val="accent1">
+              <a:lumMod val="20000"/>
+              <a:lumOff val="80000"/>
+            </a:schemeClr>
+          </a:solidFill>
+        </p:spPr>
+        <p:style>
+          <a:lnRef idx="2">
+            <a:schemeClr val="accent1">
+              <a:shade val="50000"/>
+            </a:schemeClr>
+          </a:lnRef>
+          <a:fillRef idx="1">
+            <a:schemeClr val="accent1"/>
+          </a:fillRef>
+          <a:effectRef idx="0">
+            <a:schemeClr val="accent1"/>
+          </a:effectRef>
+          <a:fontRef idx="minor">
+            <a:schemeClr val="lt1"/>
+          </a:fontRef>
+        </p:style>
+        <p:txBody>
+          <a:bodyPr rtlCol="0" anchor="ctr"/>
+          <a:p>
+            <a:pPr algn="ctr"/>
+            <a:r>
+              <a:rPr lang="en-US" altLang="zh-CN" sz="4600" b="1">
+                <a:solidFill>
+                  <a:schemeClr val="tx1"/>
+                </a:solidFill>
+                <a:effectLst>
+                  <a:outerShdw blurRad="38100" dist="38100" dir="2700000" algn="tl">
+                    <a:srgbClr val="000000">
+                      <a:alpha val="43137"/>
+                    </a:srgbClr>
+                  </a:outerShdw>
+                </a:effectLst>
+              </a:rPr>
+              <a:t>E</a:t>
+            </a:r>
+            <a:endParaRPr lang="en-US" altLang="zh-CN" sz="4600" b="1">
+              <a:solidFill>
+                <a:schemeClr val="tx1"/>
+              </a:solidFill>
+              <a:effectLst>
+                <a:outerShdw blurRad="38100" dist="38100" dir="2700000" algn="tl">
+                  <a:srgbClr val="000000">
+                    <a:alpha val="43137"/>
+                  </a:srgbClr>
+                </a:outerShdw>
+              </a:effectLst>
+            </a:endParaRPr>
+          </a:p>
+        </p:txBody>
+      </p:sp>
+      <p:sp>
+        <p:nvSpPr>
+          <p:cNvPr id="10" name="椭圆 9"/>
+          <p:cNvSpPr/>
+          <p:nvPr/>
+        </p:nvSpPr>
+        <p:spPr>
+          <a:xfrm>
+            <a:off x="10090785" y="762635"/>
+            <a:ext cx="914400" cy="914400"/>
+          </a:xfrm>
+          <a:prstGeom prst="ellipse">
+            <a:avLst/>
+          </a:prstGeom>
+          <a:solidFill>
+            <a:schemeClr val="accent1">
+              <a:lumMod val="20000"/>
+              <a:lumOff val="80000"/>
+            </a:schemeClr>
+          </a:solidFill>
+        </p:spPr>
+        <p:style>
+          <a:lnRef idx="2">
+            <a:schemeClr val="accent1">
+              <a:shade val="50000"/>
+            </a:schemeClr>
+          </a:lnRef>
+          <a:fillRef idx="1">
+            <a:schemeClr val="accent1"/>
+          </a:fillRef>
+          <a:effectRef idx="0">
+            <a:schemeClr val="accent1"/>
+          </a:effectRef>
+          <a:fontRef idx="minor">
+            <a:schemeClr val="lt1"/>
+          </a:fontRef>
+        </p:style>
+        <p:txBody>
+          <a:bodyPr rtlCol="0" anchor="ctr"/>
+          <a:p>
+            <a:pPr algn="ctr"/>
+            <a:r>
+              <a:rPr lang="en-US" altLang="zh-CN" sz="4600" b="1">
+                <a:solidFill>
+                  <a:schemeClr val="tx1"/>
+                </a:solidFill>
+                <a:effectLst>
+                  <a:outerShdw blurRad="38100" dist="38100" dir="2700000" algn="tl">
+                    <a:srgbClr val="000000">
+                      <a:alpha val="43137"/>
+                    </a:srgbClr>
+                  </a:outerShdw>
+                </a:effectLst>
+              </a:rPr>
+              <a:t>D</a:t>
+            </a:r>
+            <a:endParaRPr lang="en-US" altLang="zh-CN" sz="4600" b="1">
+              <a:solidFill>
+                <a:schemeClr val="tx1"/>
+              </a:solidFill>
+              <a:effectLst>
+                <a:outerShdw blurRad="38100" dist="38100" dir="2700000" algn="tl">
+                  <a:srgbClr val="000000">
+                    <a:alpha val="43137"/>
+                  </a:srgbClr>
+                </a:outerShdw>
+              </a:effectLst>
+            </a:endParaRPr>
+          </a:p>
+        </p:txBody>
+      </p:sp>
+      <p:sp>
+        <p:nvSpPr>
+          <p:cNvPr id="12" name="椭圆 11"/>
+          <p:cNvSpPr/>
+          <p:nvPr/>
+        </p:nvSpPr>
+        <p:spPr>
+          <a:xfrm>
+            <a:off x="6139180" y="1820545"/>
+            <a:ext cx="914400" cy="914400"/>
+          </a:xfrm>
+          <a:prstGeom prst="ellipse">
+            <a:avLst/>
+          </a:prstGeom>
+          <a:solidFill>
+            <a:schemeClr val="accent1">
+              <a:lumMod val="20000"/>
+              <a:lumOff val="80000"/>
+            </a:schemeClr>
+          </a:solidFill>
+        </p:spPr>
+        <p:style>
+          <a:lnRef idx="2">
+            <a:schemeClr val="accent1">
+              <a:shade val="50000"/>
+            </a:schemeClr>
+          </a:lnRef>
+          <a:fillRef idx="1">
+            <a:schemeClr val="accent1"/>
+          </a:fillRef>
+          <a:effectRef idx="0">
+            <a:schemeClr val="accent1"/>
+          </a:effectRef>
+          <a:fontRef idx="minor">
+            <a:schemeClr val="lt1"/>
+          </a:fontRef>
+        </p:style>
+        <p:txBody>
+          <a:bodyPr rtlCol="0" anchor="ctr"/>
+          <a:p>
+            <a:pPr algn="ctr"/>
+            <a:r>
+              <a:rPr lang="en-US" altLang="zh-CN" sz="4600" b="1">
+                <a:solidFill>
+                  <a:schemeClr val="tx1"/>
+                </a:solidFill>
+                <a:effectLst>
+                  <a:outerShdw blurRad="38100" dist="38100" dir="2700000" algn="tl">
+                    <a:srgbClr val="000000">
+                      <a:alpha val="43137"/>
+                    </a:srgbClr>
+                  </a:outerShdw>
+                </a:effectLst>
+              </a:rPr>
+              <a:t>D</a:t>
+            </a:r>
+            <a:endParaRPr lang="en-US" altLang="zh-CN" sz="4600" b="1">
+              <a:solidFill>
+                <a:schemeClr val="tx1"/>
+              </a:solidFill>
+              <a:effectLst>
+                <a:outerShdw blurRad="38100" dist="38100" dir="2700000" algn="tl">
+                  <a:srgbClr val="000000">
+                    <a:alpha val="43137"/>
+                  </a:srgbClr>
+                </a:outerShdw>
+              </a:effectLst>
+            </a:endParaRPr>
+          </a:p>
+        </p:txBody>
+      </p:sp>
+      <p:sp>
+        <p:nvSpPr>
+          <p:cNvPr id="14" name="椭圆 13"/>
+          <p:cNvSpPr/>
+          <p:nvPr/>
+        </p:nvSpPr>
+        <p:spPr>
+          <a:xfrm>
+            <a:off x="2348230" y="1820545"/>
+            <a:ext cx="914400" cy="914400"/>
+          </a:xfrm>
+          <a:prstGeom prst="ellipse">
+            <a:avLst/>
+          </a:prstGeom>
+          <a:solidFill>
+            <a:schemeClr val="accent1">
+              <a:lumMod val="20000"/>
+              <a:lumOff val="80000"/>
+            </a:schemeClr>
+          </a:solidFill>
+        </p:spPr>
+        <p:style>
+          <a:lnRef idx="2">
+            <a:schemeClr val="accent1">
+              <a:shade val="50000"/>
+            </a:schemeClr>
+          </a:lnRef>
+          <a:fillRef idx="1">
+            <a:schemeClr val="accent1"/>
+          </a:fillRef>
+          <a:effectRef idx="0">
+            <a:schemeClr val="accent1"/>
+          </a:effectRef>
+          <a:fontRef idx="minor">
+            <a:schemeClr val="lt1"/>
+          </a:fontRef>
+        </p:style>
+        <p:txBody>
+          <a:bodyPr rtlCol="0" anchor="ctr"/>
+          <a:p>
+            <a:pPr algn="ctr"/>
+            <a:r>
+              <a:rPr lang="en-US" altLang="zh-CN" sz="4600" b="1">
+                <a:solidFill>
+                  <a:schemeClr val="tx1"/>
+                </a:solidFill>
+                <a:effectLst>
+                  <a:outerShdw blurRad="38100" dist="38100" dir="2700000" algn="tl">
+                    <a:srgbClr val="000000">
+                      <a:alpha val="43137"/>
+                    </a:srgbClr>
+                  </a:outerShdw>
+                </a:effectLst>
+              </a:rPr>
+              <a:t>B</a:t>
+            </a:r>
+            <a:endParaRPr lang="en-US" altLang="zh-CN" sz="4600" b="1">
+              <a:solidFill>
+                <a:schemeClr val="tx1"/>
+              </a:solidFill>
+              <a:effectLst>
+                <a:outerShdw blurRad="38100" dist="38100" dir="2700000" algn="tl">
+                  <a:srgbClr val="000000">
+                    <a:alpha val="43137"/>
+                  </a:srgbClr>
+                </a:outerShdw>
+              </a:effectLst>
+            </a:endParaRPr>
+          </a:p>
+        </p:txBody>
+      </p:sp>
+      <p:sp>
+        <p:nvSpPr>
+          <p:cNvPr id="15" name="椭圆 14"/>
+          <p:cNvSpPr/>
+          <p:nvPr/>
+        </p:nvSpPr>
+        <p:spPr>
+          <a:xfrm>
+            <a:off x="4279265" y="1820545"/>
+            <a:ext cx="914400" cy="914400"/>
+          </a:xfrm>
+          <a:prstGeom prst="ellipse">
+            <a:avLst/>
+          </a:prstGeom>
+          <a:solidFill>
+            <a:schemeClr val="accent1">
+              <a:lumMod val="20000"/>
+              <a:lumOff val="80000"/>
+            </a:schemeClr>
+          </a:solidFill>
+        </p:spPr>
+        <p:style>
+          <a:lnRef idx="2">
+            <a:schemeClr val="accent1">
+              <a:shade val="50000"/>
+            </a:schemeClr>
+          </a:lnRef>
+          <a:fillRef idx="1">
+            <a:schemeClr val="accent1"/>
+          </a:fillRef>
+          <a:effectRef idx="0">
+            <a:schemeClr val="accent1"/>
+          </a:effectRef>
+          <a:fontRef idx="minor">
+            <a:schemeClr val="lt1"/>
+          </a:fontRef>
+        </p:style>
+        <p:txBody>
+          <a:bodyPr rtlCol="0" anchor="ctr"/>
+          <a:p>
+            <a:pPr algn="ctr"/>
+            <a:r>
+              <a:rPr lang="en-US" altLang="zh-CN" sz="4600" b="1">
+                <a:solidFill>
+                  <a:schemeClr val="tx1"/>
+                </a:solidFill>
+                <a:effectLst>
+                  <a:outerShdw blurRad="38100" dist="38100" dir="2700000" algn="tl">
+                    <a:srgbClr val="000000">
+                      <a:alpha val="43137"/>
+                    </a:srgbClr>
+                  </a:outerShdw>
+                </a:effectLst>
+              </a:rPr>
+              <a:t>S</a:t>
+            </a:r>
+            <a:endParaRPr lang="en-US" altLang="zh-CN" sz="4600" b="1">
+              <a:solidFill>
+                <a:schemeClr val="tx1"/>
+              </a:solidFill>
+              <a:effectLst>
+                <a:outerShdw blurRad="38100" dist="38100" dir="2700000" algn="tl">
+                  <a:srgbClr val="000000">
+                    <a:alpha val="43137"/>
+                  </a:srgbClr>
+                </a:outerShdw>
+              </a:effectLst>
+            </a:endParaRPr>
+          </a:p>
+        </p:txBody>
+      </p:sp>
+      <p:sp>
+        <p:nvSpPr>
+          <p:cNvPr id="16" name="椭圆 15"/>
+          <p:cNvSpPr/>
+          <p:nvPr/>
+        </p:nvSpPr>
+        <p:spPr>
+          <a:xfrm>
+            <a:off x="976630" y="3014980"/>
+            <a:ext cx="914400" cy="914400"/>
+          </a:xfrm>
+          <a:prstGeom prst="ellipse">
+            <a:avLst/>
+          </a:prstGeom>
+          <a:solidFill>
+            <a:schemeClr val="accent1">
+              <a:lumMod val="20000"/>
+              <a:lumOff val="80000"/>
+            </a:schemeClr>
+          </a:solidFill>
+        </p:spPr>
+        <p:style>
+          <a:lnRef idx="2">
+            <a:schemeClr val="accent1">
+              <a:shade val="50000"/>
+            </a:schemeClr>
+          </a:lnRef>
+          <a:fillRef idx="1">
+            <a:schemeClr val="accent1"/>
+          </a:fillRef>
+          <a:effectRef idx="0">
+            <a:schemeClr val="accent1"/>
+          </a:effectRef>
+          <a:fontRef idx="minor">
+            <a:schemeClr val="lt1"/>
+          </a:fontRef>
+        </p:style>
+        <p:txBody>
+          <a:bodyPr rtlCol="0" anchor="ctr"/>
+          <a:p>
+            <a:pPr algn="ctr"/>
+            <a:r>
+              <a:rPr lang="en-US" altLang="zh-CN" sz="4600" b="1">
+                <a:solidFill>
+                  <a:schemeClr val="tx1"/>
+                </a:solidFill>
+                <a:effectLst>
+                  <a:outerShdw blurRad="38100" dist="38100" dir="2700000" algn="tl">
+                    <a:srgbClr val="000000">
+                      <a:alpha val="43137"/>
+                    </a:srgbClr>
+                  </a:outerShdw>
+                </a:effectLst>
+              </a:rPr>
+              <a:t>C</a:t>
+            </a:r>
+            <a:endParaRPr lang="en-US" altLang="zh-CN" sz="4600" b="1">
+              <a:solidFill>
+                <a:schemeClr val="tx1"/>
+              </a:solidFill>
+              <a:effectLst>
+                <a:outerShdw blurRad="38100" dist="38100" dir="2700000" algn="tl">
+                  <a:srgbClr val="000000">
+                    <a:alpha val="43137"/>
+                  </a:srgbClr>
+                </a:outerShdw>
+              </a:effectLst>
+            </a:endParaRPr>
+          </a:p>
+        </p:txBody>
+      </p:sp>
+      <p:cxnSp>
+        <p:nvCxnSpPr>
+          <p:cNvPr id="17" name="直接连接符 16"/>
+          <p:cNvCxnSpPr>
+            <a:stCxn id="4" idx="3"/>
+            <a:endCxn id="5" idx="7"/>
+          </p:cNvCxnSpPr>
+          <p:nvPr/>
+        </p:nvCxnSpPr>
+        <p:spPr>
+          <a:xfrm flipH="1">
+            <a:off x="5059680" y="762635"/>
+            <a:ext cx="2259330" cy="133985"/>
+          </a:xfrm>
+          <a:prstGeom prst="line">
+            <a:avLst/>
+          </a:prstGeom>
+        </p:spPr>
+        <p:style>
+          <a:lnRef idx="1">
+            <a:schemeClr val="dk1"/>
+          </a:lnRef>
+          <a:fillRef idx="0">
+            <a:schemeClr val="dk1"/>
+          </a:fillRef>
+          <a:effectRef idx="0">
+            <a:schemeClr val="dk1"/>
+          </a:effectRef>
+          <a:fontRef idx="minor">
+            <a:schemeClr val="tx1"/>
+          </a:fontRef>
+        </p:style>
+      </p:cxnSp>
+      <p:cxnSp>
+        <p:nvCxnSpPr>
+          <p:cNvPr id="18" name="直接连接符 17"/>
+          <p:cNvCxnSpPr>
+            <a:stCxn id="4" idx="5"/>
+            <a:endCxn id="10" idx="1"/>
+          </p:cNvCxnSpPr>
+          <p:nvPr/>
+        </p:nvCxnSpPr>
+        <p:spPr>
+          <a:xfrm>
+            <a:off x="7965440" y="762635"/>
+            <a:ext cx="2259330" cy="133985"/>
+          </a:xfrm>
+          <a:prstGeom prst="line">
+            <a:avLst/>
+          </a:prstGeom>
+        </p:spPr>
+        <p:style>
+          <a:lnRef idx="1">
+            <a:schemeClr val="dk1"/>
+          </a:lnRef>
+          <a:fillRef idx="0">
+            <a:schemeClr val="dk1"/>
+          </a:fillRef>
+          <a:effectRef idx="0">
+            <a:schemeClr val="dk1"/>
+          </a:effectRef>
+          <a:fontRef idx="minor">
+            <a:schemeClr val="tx1"/>
+          </a:fontRef>
+        </p:style>
+      </p:cxnSp>
+      <p:cxnSp>
+        <p:nvCxnSpPr>
+          <p:cNvPr id="19" name="直接连接符 18"/>
+          <p:cNvCxnSpPr>
+            <a:stCxn id="5" idx="5"/>
+            <a:endCxn id="12" idx="0"/>
+          </p:cNvCxnSpPr>
+          <p:nvPr/>
+        </p:nvCxnSpPr>
+        <p:spPr>
+          <a:xfrm>
+            <a:off x="5059680" y="1543050"/>
+            <a:ext cx="1536700" cy="277495"/>
+          </a:xfrm>
+          <a:prstGeom prst="line">
+            <a:avLst/>
+          </a:prstGeom>
+        </p:spPr>
+        <p:style>
+          <a:lnRef idx="1">
+            <a:schemeClr val="dk1"/>
+          </a:lnRef>
+          <a:fillRef idx="0">
+            <a:schemeClr val="dk1"/>
+          </a:fillRef>
+          <a:effectRef idx="0">
+            <a:schemeClr val="dk1"/>
+          </a:effectRef>
+          <a:fontRef idx="minor">
+            <a:schemeClr val="tx1"/>
+          </a:fontRef>
+        </p:style>
+      </p:cxnSp>
+      <p:cxnSp>
+        <p:nvCxnSpPr>
+          <p:cNvPr id="21" name="直接连接符 20"/>
+          <p:cNvCxnSpPr>
+            <a:stCxn id="14" idx="4"/>
+            <a:endCxn id="8" idx="0"/>
+          </p:cNvCxnSpPr>
+          <p:nvPr/>
+        </p:nvCxnSpPr>
+        <p:spPr>
+          <a:xfrm>
+            <a:off x="2805430" y="2734945"/>
+            <a:ext cx="1369695" cy="280035"/>
+          </a:xfrm>
+          <a:prstGeom prst="line">
+            <a:avLst/>
+          </a:prstGeom>
+        </p:spPr>
+        <p:style>
+          <a:lnRef idx="1">
+            <a:schemeClr val="dk1"/>
+          </a:lnRef>
+          <a:fillRef idx="0">
+            <a:schemeClr val="dk1"/>
+          </a:fillRef>
+          <a:effectRef idx="0">
+            <a:schemeClr val="dk1"/>
+          </a:effectRef>
+          <a:fontRef idx="minor">
+            <a:schemeClr val="tx1"/>
+          </a:fontRef>
+        </p:style>
+      </p:cxnSp>
+      <p:cxnSp>
+        <p:nvCxnSpPr>
+          <p:cNvPr id="23" name="直接连接符 22"/>
+          <p:cNvCxnSpPr>
+            <a:stCxn id="5" idx="3"/>
+            <a:endCxn id="14" idx="0"/>
+          </p:cNvCxnSpPr>
+          <p:nvPr/>
+        </p:nvCxnSpPr>
+        <p:spPr>
+          <a:xfrm flipH="1">
+            <a:off x="2805430" y="1543050"/>
+            <a:ext cx="1607820" cy="277495"/>
+          </a:xfrm>
+          <a:prstGeom prst="line">
+            <a:avLst/>
+          </a:prstGeom>
+        </p:spPr>
+        <p:style>
+          <a:lnRef idx="1">
+            <a:schemeClr val="dk1"/>
+          </a:lnRef>
+          <a:fillRef idx="0">
+            <a:schemeClr val="dk1"/>
+          </a:fillRef>
+          <a:effectRef idx="0">
+            <a:schemeClr val="dk1"/>
+          </a:effectRef>
+          <a:fontRef idx="minor">
+            <a:schemeClr val="tx1"/>
+          </a:fontRef>
+        </p:style>
+      </p:cxnSp>
+      <p:cxnSp>
+        <p:nvCxnSpPr>
+          <p:cNvPr id="24" name="直接连接符 23"/>
+          <p:cNvCxnSpPr>
+            <a:stCxn id="5" idx="4"/>
+            <a:endCxn id="15" idx="0"/>
+          </p:cNvCxnSpPr>
+          <p:nvPr/>
+        </p:nvCxnSpPr>
+        <p:spPr>
+          <a:xfrm>
+            <a:off x="4736465" y="1677035"/>
+            <a:ext cx="0" cy="143510"/>
+          </a:xfrm>
+          <a:prstGeom prst="line">
+            <a:avLst/>
+          </a:prstGeom>
+        </p:spPr>
+        <p:style>
+          <a:lnRef idx="1">
+            <a:schemeClr val="dk1"/>
+          </a:lnRef>
+          <a:fillRef idx="0">
+            <a:schemeClr val="dk1"/>
+          </a:fillRef>
+          <a:effectRef idx="0">
+            <a:schemeClr val="dk1"/>
+          </a:effectRef>
+          <a:fontRef idx="minor">
+            <a:schemeClr val="tx1"/>
+          </a:fontRef>
+        </p:style>
+      </p:cxnSp>
+      <p:cxnSp>
+        <p:nvCxnSpPr>
+          <p:cNvPr id="25" name="直接连接符 24"/>
+          <p:cNvCxnSpPr>
+            <a:stCxn id="14" idx="4"/>
+            <a:endCxn id="16" idx="0"/>
+          </p:cNvCxnSpPr>
+          <p:nvPr/>
+        </p:nvCxnSpPr>
+        <p:spPr>
+          <a:xfrm flipH="1">
+            <a:off x="1433830" y="2734945"/>
+            <a:ext cx="1371600" cy="280035"/>
+          </a:xfrm>
+          <a:prstGeom prst="line">
+            <a:avLst/>
+          </a:prstGeom>
+        </p:spPr>
+        <p:style>
+          <a:lnRef idx="1">
+            <a:schemeClr val="dk1"/>
+          </a:lnRef>
+          <a:fillRef idx="0">
+            <a:schemeClr val="dk1"/>
+          </a:fillRef>
+          <a:effectRef idx="0">
+            <a:schemeClr val="dk1"/>
+          </a:effectRef>
+          <a:fontRef idx="minor">
+            <a:schemeClr val="tx1"/>
+          </a:fontRef>
+        </p:style>
+      </p:cxnSp>
+      <p:cxnSp>
+        <p:nvCxnSpPr>
+          <p:cNvPr id="28" name="直接连接符 27"/>
+          <p:cNvCxnSpPr>
+            <a:stCxn id="14" idx="4"/>
+            <a:endCxn id="9" idx="0"/>
+          </p:cNvCxnSpPr>
+          <p:nvPr/>
+        </p:nvCxnSpPr>
+        <p:spPr>
+          <a:xfrm>
+            <a:off x="2805430" y="2734945"/>
+            <a:ext cx="0" cy="280035"/>
+          </a:xfrm>
+          <a:prstGeom prst="line">
+            <a:avLst/>
+          </a:prstGeom>
+        </p:spPr>
+        <p:style>
+          <a:lnRef idx="1">
+            <a:schemeClr val="dk1"/>
+          </a:lnRef>
+          <a:fillRef idx="0">
+            <a:schemeClr val="dk1"/>
+          </a:fillRef>
+          <a:effectRef idx="0">
+            <a:schemeClr val="dk1"/>
+          </a:effectRef>
+          <a:fontRef idx="minor">
+            <a:schemeClr val="tx1"/>
+          </a:fontRef>
+        </p:style>
+      </p:cxnSp>
+      <p:sp>
+        <p:nvSpPr>
+          <p:cNvPr id="35" name="椭圆 34"/>
+          <p:cNvSpPr/>
+          <p:nvPr/>
+        </p:nvSpPr>
+        <p:spPr>
+          <a:xfrm>
+            <a:off x="976630" y="4156075"/>
+            <a:ext cx="914400" cy="914400"/>
+          </a:xfrm>
+          <a:prstGeom prst="ellipse">
+            <a:avLst/>
+          </a:prstGeom>
+          <a:solidFill>
+            <a:schemeClr val="accent2">
+              <a:lumMod val="20000"/>
+              <a:lumOff val="80000"/>
+            </a:schemeClr>
+          </a:solidFill>
+        </p:spPr>
+        <p:style>
+          <a:lnRef idx="2">
+            <a:schemeClr val="accent1">
+              <a:shade val="50000"/>
+            </a:schemeClr>
+          </a:lnRef>
+          <a:fillRef idx="1">
+            <a:schemeClr val="accent1"/>
+          </a:fillRef>
+          <a:effectRef idx="0">
+            <a:schemeClr val="accent1"/>
+          </a:effectRef>
+          <a:fontRef idx="minor">
+            <a:schemeClr val="lt1"/>
+          </a:fontRef>
+        </p:style>
+        <p:txBody>
+          <a:bodyPr rtlCol="0" anchor="ctr"/>
+          <a:p>
+            <a:pPr algn="ctr"/>
+            <a:r>
+              <a:rPr lang="en-US" altLang="zh-CN" sz="4600" b="1">
+                <a:solidFill>
+                  <a:schemeClr val="tx1"/>
+                </a:solidFill>
+                <a:effectLst>
+                  <a:outerShdw blurRad="38100" dist="38100" dir="2700000" algn="tl">
+                    <a:srgbClr val="000000">
+                      <a:alpha val="43137"/>
+                    </a:srgbClr>
+                  </a:outerShdw>
+                </a:effectLst>
+              </a:rPr>
+              <a:t>G</a:t>
+            </a:r>
+            <a:endParaRPr lang="en-US" altLang="zh-CN" sz="4600" b="1">
+              <a:solidFill>
+                <a:schemeClr val="tx1"/>
+              </a:solidFill>
+              <a:effectLst>
+                <a:outerShdw blurRad="38100" dist="38100" dir="2700000" algn="tl">
+                  <a:srgbClr val="000000">
+                    <a:alpha val="43137"/>
+                  </a:srgbClr>
+                </a:outerShdw>
+              </a:effectLst>
+            </a:endParaRPr>
+          </a:p>
+        </p:txBody>
+      </p:sp>
+      <p:cxnSp>
+        <p:nvCxnSpPr>
+          <p:cNvPr id="36" name="直接连接符 35"/>
+          <p:cNvCxnSpPr>
+            <a:stCxn id="16" idx="4"/>
+            <a:endCxn id="35" idx="0"/>
+          </p:cNvCxnSpPr>
+          <p:nvPr/>
+        </p:nvCxnSpPr>
+        <p:spPr>
+          <a:xfrm>
+            <a:off x="1433830" y="3929380"/>
+            <a:ext cx="0" cy="226695"/>
+          </a:xfrm>
+          <a:prstGeom prst="line">
+            <a:avLst/>
+          </a:prstGeom>
+        </p:spPr>
+        <p:style>
+          <a:lnRef idx="1">
+            <a:schemeClr val="dk1"/>
+          </a:lnRef>
+          <a:fillRef idx="0">
+            <a:schemeClr val="dk1"/>
+          </a:fillRef>
+          <a:effectRef idx="0">
+            <a:schemeClr val="dk1"/>
+          </a:effectRef>
+          <a:fontRef idx="minor">
+            <a:schemeClr val="tx1"/>
+          </a:fontRef>
+        </p:style>
+      </p:cxnSp>
+      <p:sp>
+        <p:nvSpPr>
+          <p:cNvPr id="3" name="文本框 2"/>
+          <p:cNvSpPr txBox="1"/>
+          <p:nvPr/>
+        </p:nvSpPr>
+        <p:spPr>
+          <a:xfrm>
+            <a:off x="5829300" y="394335"/>
+            <a:ext cx="309880" cy="368300"/>
+          </a:xfrm>
+          <a:prstGeom prst="rect">
+            <a:avLst/>
+          </a:prstGeom>
+          <a:noFill/>
+        </p:spPr>
+        <p:txBody>
+          <a:bodyPr wrap="none" rtlCol="0">
+            <a:spAutoFit/>
+          </a:bodyPr>
+          <a:p>
+            <a:r>
+              <a:rPr lang="en-US" altLang="zh-CN"/>
+              <a:t>3</a:t>
+            </a:r>
+            <a:endParaRPr lang="en-US" altLang="zh-CN"/>
+          </a:p>
+        </p:txBody>
+      </p:sp>
+      <p:sp>
+        <p:nvSpPr>
+          <p:cNvPr id="6" name="文本框 5"/>
+          <p:cNvSpPr txBox="1"/>
+          <p:nvPr/>
+        </p:nvSpPr>
+        <p:spPr>
+          <a:xfrm>
+            <a:off x="9091295" y="394335"/>
+            <a:ext cx="309880" cy="368300"/>
+          </a:xfrm>
+          <a:prstGeom prst="rect">
+            <a:avLst/>
+          </a:prstGeom>
+          <a:noFill/>
+        </p:spPr>
+        <p:txBody>
+          <a:bodyPr wrap="none" rtlCol="0">
+            <a:spAutoFit/>
+          </a:bodyPr>
+          <a:p>
+            <a:r>
+              <a:rPr lang="en-US" altLang="zh-CN"/>
+              <a:t>4</a:t>
+            </a:r>
+            <a:endParaRPr lang="en-US" altLang="zh-CN"/>
+          </a:p>
+        </p:txBody>
+      </p:sp>
+      <p:sp>
+        <p:nvSpPr>
+          <p:cNvPr id="7" name="文本框 6"/>
+          <p:cNvSpPr txBox="1"/>
+          <p:nvPr/>
+        </p:nvSpPr>
+        <p:spPr>
+          <a:xfrm>
+            <a:off x="11005185" y="896620"/>
+            <a:ext cx="436880" cy="368300"/>
+          </a:xfrm>
+          <a:prstGeom prst="rect">
+            <a:avLst/>
+          </a:prstGeom>
+          <a:noFill/>
+        </p:spPr>
+        <p:txBody>
+          <a:bodyPr wrap="none" rtlCol="0">
+            <a:spAutoFit/>
+          </a:bodyPr>
+          <a:p>
+            <a:r>
+              <a:rPr lang="en-US" altLang="zh-CN"/>
+              <a:t>14</a:t>
+            </a:r>
+            <a:endParaRPr lang="en-US" altLang="zh-CN"/>
+          </a:p>
+        </p:txBody>
+      </p:sp>
+      <p:sp>
+        <p:nvSpPr>
+          <p:cNvPr id="20" name="文本框 19"/>
+          <p:cNvSpPr txBox="1"/>
+          <p:nvPr/>
+        </p:nvSpPr>
+        <p:spPr>
+          <a:xfrm>
+            <a:off x="3874770" y="896620"/>
+            <a:ext cx="436880" cy="368300"/>
+          </a:xfrm>
+          <a:prstGeom prst="rect">
+            <a:avLst/>
+          </a:prstGeom>
+          <a:noFill/>
+        </p:spPr>
+        <p:txBody>
+          <a:bodyPr wrap="none" rtlCol="0">
+            <a:spAutoFit/>
+          </a:bodyPr>
+          <a:p>
+            <a:r>
+              <a:rPr lang="en-US" altLang="zh-CN"/>
+              <a:t>13</a:t>
+            </a:r>
+            <a:endParaRPr lang="en-US" altLang="zh-CN"/>
+          </a:p>
+        </p:txBody>
+      </p:sp>
+      <p:sp>
+        <p:nvSpPr>
+          <p:cNvPr id="26" name="文本框 25"/>
+          <p:cNvSpPr txBox="1"/>
+          <p:nvPr/>
+        </p:nvSpPr>
+        <p:spPr>
+          <a:xfrm>
+            <a:off x="3564890" y="1308735"/>
+            <a:ext cx="309880" cy="368300"/>
+          </a:xfrm>
+          <a:prstGeom prst="rect">
+            <a:avLst/>
+          </a:prstGeom>
+          <a:noFill/>
+        </p:spPr>
+        <p:txBody>
+          <a:bodyPr wrap="none" rtlCol="0">
+            <a:spAutoFit/>
+          </a:bodyPr>
+          <a:p>
+            <a:r>
+              <a:rPr lang="en-US" altLang="zh-CN"/>
+              <a:t>4</a:t>
+            </a:r>
+            <a:endParaRPr lang="en-US" altLang="zh-CN"/>
+          </a:p>
+        </p:txBody>
+      </p:sp>
+      <p:sp>
+        <p:nvSpPr>
+          <p:cNvPr id="30" name="文本框 29"/>
+          <p:cNvSpPr txBox="1"/>
+          <p:nvPr/>
+        </p:nvSpPr>
+        <p:spPr>
+          <a:xfrm>
+            <a:off x="5673090" y="1321435"/>
+            <a:ext cx="309880" cy="368300"/>
+          </a:xfrm>
+          <a:prstGeom prst="rect">
+            <a:avLst/>
+          </a:prstGeom>
+          <a:noFill/>
+        </p:spPr>
+        <p:txBody>
+          <a:bodyPr wrap="none" rtlCol="0">
+            <a:spAutoFit/>
+          </a:bodyPr>
+          <a:p>
+            <a:r>
+              <a:rPr lang="en-US" altLang="zh-CN"/>
+              <a:t>5</a:t>
+            </a:r>
+            <a:endParaRPr lang="en-US" altLang="zh-CN"/>
+          </a:p>
+        </p:txBody>
+      </p:sp>
+      <p:sp>
+        <p:nvSpPr>
+          <p:cNvPr id="32" name="文本框 31"/>
+          <p:cNvSpPr txBox="1"/>
+          <p:nvPr/>
+        </p:nvSpPr>
+        <p:spPr>
+          <a:xfrm>
+            <a:off x="4749800" y="1543050"/>
+            <a:ext cx="309880" cy="368300"/>
+          </a:xfrm>
+          <a:prstGeom prst="rect">
+            <a:avLst/>
+          </a:prstGeom>
+          <a:noFill/>
+        </p:spPr>
+        <p:txBody>
+          <a:bodyPr wrap="none" rtlCol="0">
+            <a:spAutoFit/>
+          </a:bodyPr>
+          <a:p>
+            <a:r>
+              <a:rPr lang="en-US" altLang="zh-CN"/>
+              <a:t>3</a:t>
+            </a:r>
+            <a:endParaRPr lang="en-US" altLang="zh-CN"/>
+          </a:p>
+        </p:txBody>
+      </p:sp>
+      <p:sp>
+        <p:nvSpPr>
+          <p:cNvPr id="33" name="文本框 32"/>
+          <p:cNvSpPr txBox="1"/>
+          <p:nvPr/>
+        </p:nvSpPr>
+        <p:spPr>
+          <a:xfrm>
+            <a:off x="1911350" y="2093595"/>
+            <a:ext cx="436880" cy="368300"/>
+          </a:xfrm>
+          <a:prstGeom prst="rect">
+            <a:avLst/>
+          </a:prstGeom>
+          <a:noFill/>
+        </p:spPr>
+        <p:txBody>
+          <a:bodyPr wrap="none" rtlCol="0">
+            <a:spAutoFit/>
+          </a:bodyPr>
+          <a:p>
+            <a:r>
+              <a:rPr lang="en-US" altLang="zh-CN"/>
+              <a:t>13</a:t>
+            </a:r>
+            <a:endParaRPr lang="en-US" altLang="zh-CN"/>
+          </a:p>
+        </p:txBody>
+      </p:sp>
+      <p:sp>
+        <p:nvSpPr>
+          <p:cNvPr id="34" name="文本框 33"/>
+          <p:cNvSpPr txBox="1"/>
+          <p:nvPr/>
+        </p:nvSpPr>
+        <p:spPr>
+          <a:xfrm>
+            <a:off x="5765800" y="2093595"/>
+            <a:ext cx="436880" cy="368300"/>
+          </a:xfrm>
+          <a:prstGeom prst="rect">
+            <a:avLst/>
+          </a:prstGeom>
+          <a:noFill/>
+        </p:spPr>
+        <p:txBody>
+          <a:bodyPr wrap="none" rtlCol="0">
+            <a:spAutoFit/>
+          </a:bodyPr>
+          <a:p>
+            <a:r>
+              <a:rPr lang="en-US" altLang="zh-CN"/>
+              <a:t>17</a:t>
+            </a:r>
+            <a:endParaRPr lang="en-US" altLang="zh-CN"/>
+          </a:p>
+        </p:txBody>
+      </p:sp>
+      <p:sp>
+        <p:nvSpPr>
+          <p:cNvPr id="37" name="文本框 36"/>
+          <p:cNvSpPr txBox="1"/>
+          <p:nvPr/>
+        </p:nvSpPr>
+        <p:spPr>
+          <a:xfrm>
+            <a:off x="3874770" y="2093595"/>
+            <a:ext cx="436880" cy="368300"/>
+          </a:xfrm>
+          <a:prstGeom prst="rect">
+            <a:avLst/>
+          </a:prstGeom>
+          <a:noFill/>
+        </p:spPr>
+        <p:txBody>
+          <a:bodyPr wrap="none" rtlCol="0">
+            <a:spAutoFit/>
+          </a:bodyPr>
+          <a:p>
+            <a:r>
+              <a:rPr lang="en-US" altLang="zh-CN"/>
+              <a:t>16</a:t>
+            </a:r>
+            <a:endParaRPr lang="en-US" altLang="zh-CN"/>
+          </a:p>
+        </p:txBody>
+      </p:sp>
+      <p:sp>
+        <p:nvSpPr>
+          <p:cNvPr id="43" name="文本框 42"/>
+          <p:cNvSpPr txBox="1"/>
+          <p:nvPr/>
+        </p:nvSpPr>
+        <p:spPr>
+          <a:xfrm>
+            <a:off x="1891030" y="4429125"/>
+            <a:ext cx="627380" cy="368300"/>
+          </a:xfrm>
+          <a:prstGeom prst="rect">
+            <a:avLst/>
+          </a:prstGeom>
+          <a:noFill/>
+        </p:spPr>
+        <p:txBody>
+          <a:bodyPr wrap="none" rtlCol="0">
+            <a:spAutoFit/>
+          </a:bodyPr>
+          <a:p>
+            <a:r>
+              <a:rPr lang="en-US" altLang="zh-CN"/>
+              <a:t>12.4</a:t>
+            </a:r>
+            <a:endParaRPr lang="en-US" altLang="zh-CN"/>
+          </a:p>
+        </p:txBody>
+      </p:sp>
+      <p:sp>
+        <p:nvSpPr>
+          <p:cNvPr id="44" name="文本框 43"/>
+          <p:cNvSpPr txBox="1"/>
+          <p:nvPr/>
+        </p:nvSpPr>
+        <p:spPr>
+          <a:xfrm>
+            <a:off x="1954530" y="3288030"/>
+            <a:ext cx="436880" cy="368300"/>
+          </a:xfrm>
+          <a:prstGeom prst="rect">
+            <a:avLst/>
+          </a:prstGeom>
+          <a:noFill/>
+        </p:spPr>
+        <p:txBody>
+          <a:bodyPr wrap="none" rtlCol="0">
+            <a:spAutoFit/>
+          </a:bodyPr>
+          <a:p>
+            <a:r>
+              <a:rPr lang="en-US" altLang="zh-CN"/>
+              <a:t>19</a:t>
+            </a:r>
+            <a:endParaRPr lang="en-US" altLang="zh-CN"/>
+          </a:p>
+        </p:txBody>
+      </p:sp>
+      <p:sp>
+        <p:nvSpPr>
+          <p:cNvPr id="45" name="文本框 44"/>
+          <p:cNvSpPr txBox="1"/>
+          <p:nvPr/>
+        </p:nvSpPr>
+        <p:spPr>
+          <a:xfrm>
+            <a:off x="349250" y="3268980"/>
+            <a:ext cx="627380" cy="368300"/>
+          </a:xfrm>
+          <a:prstGeom prst="rect">
+            <a:avLst/>
+          </a:prstGeom>
+          <a:noFill/>
+        </p:spPr>
+        <p:txBody>
+          <a:bodyPr wrap="none" rtlCol="0">
+            <a:spAutoFit/>
+          </a:bodyPr>
+          <a:p>
+            <a:r>
+              <a:rPr lang="en-US" altLang="zh-CN"/>
+              <a:t>12.4</a:t>
+            </a:r>
+            <a:endParaRPr lang="en-US" altLang="zh-CN"/>
+          </a:p>
+        </p:txBody>
+      </p:sp>
+      <p:sp>
+        <p:nvSpPr>
+          <p:cNvPr id="46" name="文本框 45"/>
+          <p:cNvSpPr txBox="1"/>
+          <p:nvPr/>
+        </p:nvSpPr>
+        <p:spPr>
+          <a:xfrm>
+            <a:off x="2805430" y="2690495"/>
+            <a:ext cx="309880" cy="368300"/>
+          </a:xfrm>
+          <a:prstGeom prst="rect">
+            <a:avLst/>
+          </a:prstGeom>
+          <a:noFill/>
+        </p:spPr>
+        <p:txBody>
+          <a:bodyPr wrap="none" rtlCol="0">
+            <a:spAutoFit/>
+          </a:bodyPr>
+          <a:p>
+            <a:r>
+              <a:rPr lang="en-US" altLang="zh-CN"/>
+              <a:t>5</a:t>
+            </a:r>
+            <a:endParaRPr lang="en-US" altLang="zh-CN"/>
+          </a:p>
+        </p:txBody>
+      </p:sp>
+      <p:sp>
+        <p:nvSpPr>
+          <p:cNvPr id="47" name="文本框 46"/>
+          <p:cNvSpPr txBox="1"/>
+          <p:nvPr/>
+        </p:nvSpPr>
+        <p:spPr>
+          <a:xfrm>
+            <a:off x="3454400" y="2561590"/>
+            <a:ext cx="309880" cy="368300"/>
+          </a:xfrm>
+          <a:prstGeom prst="rect">
+            <a:avLst/>
+          </a:prstGeom>
+          <a:noFill/>
+        </p:spPr>
+        <p:txBody>
+          <a:bodyPr wrap="none" rtlCol="0">
+            <a:spAutoFit/>
+          </a:bodyPr>
+          <a:p>
+            <a:r>
+              <a:rPr lang="en-US" altLang="zh-CN"/>
+              <a:t>4</a:t>
+            </a:r>
+            <a:endParaRPr lang="en-US" altLang="zh-CN"/>
+          </a:p>
+        </p:txBody>
+      </p:sp>
+      <p:sp>
+        <p:nvSpPr>
+          <p:cNvPr id="48" name="文本框 47"/>
+          <p:cNvSpPr txBox="1"/>
+          <p:nvPr/>
+        </p:nvSpPr>
+        <p:spPr>
+          <a:xfrm>
+            <a:off x="1891030" y="2561590"/>
+            <a:ext cx="309880" cy="368300"/>
+          </a:xfrm>
+          <a:prstGeom prst="rect">
+            <a:avLst/>
+          </a:prstGeom>
+          <a:noFill/>
+        </p:spPr>
+        <p:txBody>
+          <a:bodyPr wrap="none" rtlCol="0">
+            <a:spAutoFit/>
+          </a:bodyPr>
+          <a:p>
+            <a:r>
+              <a:rPr lang="en-US" altLang="zh-CN"/>
+              <a:t>4</a:t>
+            </a:r>
+            <a:endParaRPr lang="en-US" altLang="zh-CN"/>
+          </a:p>
+        </p:txBody>
+      </p:sp>
+      <p:sp>
+        <p:nvSpPr>
+          <p:cNvPr id="49" name="文本框 48"/>
+          <p:cNvSpPr txBox="1"/>
+          <p:nvPr/>
+        </p:nvSpPr>
+        <p:spPr>
+          <a:xfrm>
+            <a:off x="4622800" y="3288030"/>
+            <a:ext cx="436880" cy="368300"/>
+          </a:xfrm>
+          <a:prstGeom prst="rect">
+            <a:avLst/>
+          </a:prstGeom>
+          <a:noFill/>
+        </p:spPr>
+        <p:txBody>
+          <a:bodyPr wrap="none" rtlCol="0">
+            <a:spAutoFit/>
+          </a:bodyPr>
+          <a:p>
+            <a:r>
+              <a:rPr lang="en-US" altLang="zh-CN"/>
+              <a:t>21</a:t>
+            </a:r>
+            <a:endParaRPr lang="en-US" altLang="zh-CN"/>
+          </a:p>
+        </p:txBody>
+      </p:sp>
+      <p:sp>
+        <p:nvSpPr>
+          <p:cNvPr id="50" name="文本框 49"/>
+          <p:cNvSpPr txBox="1"/>
+          <p:nvPr/>
+        </p:nvSpPr>
+        <p:spPr>
+          <a:xfrm>
+            <a:off x="1433830" y="3858260"/>
+            <a:ext cx="500380" cy="368300"/>
+          </a:xfrm>
+          <a:prstGeom prst="rect">
+            <a:avLst/>
+          </a:prstGeom>
+          <a:noFill/>
+        </p:spPr>
+        <p:txBody>
+          <a:bodyPr wrap="none" rtlCol="0">
+            <a:spAutoFit/>
+          </a:bodyPr>
+          <a:p>
+            <a:r>
+              <a:rPr lang="en-US" altLang="zh-CN"/>
+              <a:t>1.4</a:t>
+            </a:r>
+            <a:endParaRPr lang="en-US" altLang="zh-CN"/>
+          </a:p>
+        </p:txBody>
+      </p:sp>
+    </p:spTree>
+    <p:custDataLst>
+      <p:tags r:id="rId1"/>
+    </p:custDataLst>
+  </p:cSld>
+  <p:clrMapOvr>
+    <a:masterClrMapping/>
+  </p:clrMapOvr>
+</p:sld>
+</file>
+
 <file path=ppt/tags/tag1.xml><?xml version="1.0" encoding="utf-8"?>
 <p:tagLst xmlns:p="http://schemas.openxmlformats.org/presentationml/2006/main">
   <p:tag name="KSO_WM_SLIDE_MODEL_TYPE" val="cover"/>
@@ -8266,6 +13482,12 @@
 </file>
 
 <file path=ppt/tags/tag3.xml><?xml version="1.0" encoding="utf-8"?>
+<p:tagLst xmlns:p="http://schemas.openxmlformats.org/presentationml/2006/main">
+  <p:tag name="KSO_WM_SLIDE_MODEL_TYPE" val="cover"/>
+</p:tagLst>
+</file>
+
+<file path=ppt/tags/tag4.xml><?xml version="1.0" encoding="utf-8"?>
 <p:tagLst xmlns:p="http://schemas.openxmlformats.org/presentationml/2006/main">
   <p:tag name="KSO_WM_SLIDE_MODEL_TYPE" val="cover"/>
 </p:tagLst>
